--- a/model-inference/decisionTree/experiments/results/results.pptx
+++ b/model-inference/decisionTree/experiments/results/results.pptx
@@ -5,7 +5,7 @@
     <p:sldMasterId id="2147483696" r:id="rId1"/>
   </p:sldMasterIdLst>
   <p:notesMasterIdLst>
-    <p:notesMasterId r:id="rId15"/>
+    <p:notesMasterId r:id="rId17"/>
   </p:notesMasterIdLst>
   <p:sldIdLst>
     <p:sldId id="256" r:id="rId2"/>
@@ -13,14 +13,16 @@
     <p:sldId id="427" r:id="rId4"/>
     <p:sldId id="428" r:id="rId5"/>
     <p:sldId id="406" r:id="rId6"/>
-    <p:sldId id="429" r:id="rId7"/>
-    <p:sldId id="430" r:id="rId8"/>
-    <p:sldId id="435" r:id="rId9"/>
-    <p:sldId id="431" r:id="rId10"/>
-    <p:sldId id="432" r:id="rId11"/>
-    <p:sldId id="433" r:id="rId12"/>
-    <p:sldId id="434" r:id="rId13"/>
-    <p:sldId id="397" r:id="rId14"/>
+    <p:sldId id="436" r:id="rId7"/>
+    <p:sldId id="429" r:id="rId8"/>
+    <p:sldId id="430" r:id="rId9"/>
+    <p:sldId id="437" r:id="rId10"/>
+    <p:sldId id="435" r:id="rId11"/>
+    <p:sldId id="431" r:id="rId12"/>
+    <p:sldId id="432" r:id="rId13"/>
+    <p:sldId id="433" r:id="rId14"/>
+    <p:sldId id="434" r:id="rId15"/>
+    <p:sldId id="397" r:id="rId16"/>
   </p:sldIdLst>
   <p:sldSz cx="12192000" cy="6858000"/>
   <p:notesSz cx="6858000" cy="9144000"/>
@@ -862,6 +864,765 @@
           </a:p>
         </c:txPr>
         <c:crossAx val="1696388768"/>
+        <c:crosses val="autoZero"/>
+        <c:crossBetween val="between"/>
+      </c:valAx>
+      <c:spPr>
+        <a:noFill/>
+        <a:ln>
+          <a:noFill/>
+        </a:ln>
+        <a:effectLst/>
+      </c:spPr>
+    </c:plotArea>
+    <c:legend>
+      <c:legendPos val="b"/>
+      <c:overlay val="0"/>
+      <c:spPr>
+        <a:noFill/>
+        <a:ln>
+          <a:noFill/>
+        </a:ln>
+        <a:effectLst/>
+      </c:spPr>
+      <c:txPr>
+        <a:bodyPr rot="0" spcFirstLastPara="1" vertOverflow="ellipsis" vert="horz" wrap="square" anchor="ctr" anchorCtr="1"/>
+        <a:lstStyle/>
+        <a:p>
+          <a:pPr>
+            <a:defRPr sz="900" b="0" i="0" u="none" strike="noStrike" kern="1200" baseline="0">
+              <a:solidFill>
+                <a:schemeClr val="tx1">
+                  <a:lumMod val="65000"/>
+                  <a:lumOff val="35000"/>
+                </a:schemeClr>
+              </a:solidFill>
+              <a:latin typeface="+mn-lt"/>
+              <a:ea typeface="+mn-ea"/>
+              <a:cs typeface="+mn-cs"/>
+            </a:defRPr>
+          </a:pPr>
+          <a:endParaRPr lang="en-US"/>
+        </a:p>
+      </c:txPr>
+    </c:legend>
+    <c:plotVisOnly val="1"/>
+    <c:dispBlanksAs val="gap"/>
+    <c:showDLblsOverMax val="0"/>
+  </c:chart>
+  <c:spPr>
+    <a:noFill/>
+    <a:ln>
+      <a:noFill/>
+    </a:ln>
+    <a:effectLst/>
+  </c:spPr>
+  <c:txPr>
+    <a:bodyPr/>
+    <a:lstStyle/>
+    <a:p>
+      <a:pPr>
+        <a:defRPr/>
+      </a:pPr>
+      <a:endParaRPr lang="en-US"/>
+    </a:p>
+  </c:txPr>
+  <c:externalData r:id="rId3">
+    <c:autoUpdate val="0"/>
+  </c:externalData>
+</c:chartSpace>
+</file>
+
+<file path=ppt/charts/chart10.xml><?xml version="1.0" encoding="utf-8"?>
+<c:chartSpace xmlns:c="http://schemas.openxmlformats.org/drawingml/2006/chart" xmlns:a="http://schemas.openxmlformats.org/drawingml/2006/main" xmlns:r="http://schemas.openxmlformats.org/officeDocument/2006/relationships" xmlns:c16r2="http://schemas.microsoft.com/office/drawing/2015/06/chart">
+  <c:date1904 val="0"/>
+  <c:lang val="en-US"/>
+  <c:roundedCorners val="0"/>
+  <mc:AlternateContent xmlns:mc="http://schemas.openxmlformats.org/markup-compatibility/2006">
+    <mc:Choice xmlns:c14="http://schemas.microsoft.com/office/drawing/2007/8/2/chart" Requires="c14">
+      <c14:style val="102"/>
+    </mc:Choice>
+    <mc:Fallback>
+      <c:style val="2"/>
+    </mc:Fallback>
+  </mc:AlternateContent>
+  <c:chart>
+    <c:title>
+      <c:tx>
+        <c:rich>
+          <a:bodyPr rot="0" spcFirstLastPara="1" vertOverflow="ellipsis" vert="horz" wrap="square" anchor="ctr" anchorCtr="1"/>
+          <a:lstStyle/>
+          <a:p>
+            <a:pPr>
+              <a:defRPr sz="1400" b="0" i="0" u="none" strike="noStrike" kern="1200" spc="0" baseline="0">
+                <a:solidFill>
+                  <a:schemeClr val="tx1">
+                    <a:lumMod val="65000"/>
+                    <a:lumOff val="35000"/>
+                  </a:schemeClr>
+                </a:solidFill>
+                <a:latin typeface="+mn-lt"/>
+                <a:ea typeface="+mn-ea"/>
+                <a:cs typeface="+mn-cs"/>
+              </a:defRPr>
+            </a:pPr>
+            <a:r>
+              <a:rPr lang="en-US"/>
+              <a:t>XGBoost Total Time 500 trees 8 depth</a:t>
+            </a:r>
+          </a:p>
+        </c:rich>
+      </c:tx>
+      <c:overlay val="0"/>
+      <c:spPr>
+        <a:noFill/>
+        <a:ln>
+          <a:noFill/>
+        </a:ln>
+        <a:effectLst/>
+      </c:spPr>
+      <c:txPr>
+        <a:bodyPr rot="0" spcFirstLastPara="1" vertOverflow="ellipsis" vert="horz" wrap="square" anchor="ctr" anchorCtr="1"/>
+        <a:lstStyle/>
+        <a:p>
+          <a:pPr>
+            <a:defRPr sz="1400" b="0" i="0" u="none" strike="noStrike" kern="1200" spc="0" baseline="0">
+              <a:solidFill>
+                <a:schemeClr val="tx1">
+                  <a:lumMod val="65000"/>
+                  <a:lumOff val="35000"/>
+                </a:schemeClr>
+              </a:solidFill>
+              <a:latin typeface="+mn-lt"/>
+              <a:ea typeface="+mn-ea"/>
+              <a:cs typeface="+mn-cs"/>
+            </a:defRPr>
+          </a:pPr>
+          <a:endParaRPr lang="en-US"/>
+        </a:p>
+      </c:txPr>
+    </c:title>
+    <c:autoTitleDeleted val="0"/>
+    <c:plotArea>
+      <c:layout/>
+      <c:barChart>
+        <c:barDir val="bar"/>
+        <c:grouping val="clustered"/>
+        <c:varyColors val="0"/>
+        <c:ser>
+          <c:idx val="0"/>
+          <c:order val="0"/>
+          <c:tx>
+            <c:strRef>
+              <c:f>Sheet2!$I$70</c:f>
+              <c:strCache>
+                <c:ptCount val="1"/>
+                <c:pt idx="0">
+                  <c:v>100</c:v>
+                </c:pt>
+              </c:strCache>
+            </c:strRef>
+          </c:tx>
+          <c:spPr>
+            <a:solidFill>
+              <a:schemeClr val="accent1"/>
+            </a:solidFill>
+            <a:ln>
+              <a:noFill/>
+            </a:ln>
+            <a:effectLst/>
+          </c:spPr>
+          <c:invertIfNegative val="0"/>
+          <c:dLbls>
+            <c:spPr>
+              <a:noFill/>
+              <a:ln>
+                <a:noFill/>
+              </a:ln>
+              <a:effectLst/>
+            </c:spPr>
+            <c:txPr>
+              <a:bodyPr rot="0" spcFirstLastPara="1" vertOverflow="ellipsis" vert="horz" wrap="square" lIns="38100" tIns="19050" rIns="38100" bIns="19050" anchor="ctr" anchorCtr="1">
+                <a:spAutoFit/>
+              </a:bodyPr>
+              <a:lstStyle/>
+              <a:p>
+                <a:pPr>
+                  <a:defRPr sz="900" b="0" i="0" u="none" strike="noStrike" kern="1200" baseline="0">
+                    <a:solidFill>
+                      <a:schemeClr val="tx1">
+                        <a:lumMod val="75000"/>
+                        <a:lumOff val="25000"/>
+                      </a:schemeClr>
+                    </a:solidFill>
+                    <a:latin typeface="+mn-lt"/>
+                    <a:ea typeface="+mn-ea"/>
+                    <a:cs typeface="+mn-cs"/>
+                  </a:defRPr>
+                </a:pPr>
+                <a:endParaRPr lang="en-US"/>
+              </a:p>
+            </c:txPr>
+            <c:dLblPos val="outEnd"/>
+            <c:showLegendKey val="0"/>
+            <c:showVal val="1"/>
+            <c:showCatName val="0"/>
+            <c:showSerName val="0"/>
+            <c:showPercent val="0"/>
+            <c:showBubbleSize val="0"/>
+            <c:showLeaderLines val="0"/>
+            <c:extLst>
+              <c:ext xmlns:c15="http://schemas.microsoft.com/office/drawing/2012/chart" uri="{CE6537A1-D6FC-4f65-9D91-7224C49458BB}">
+                <c15:showLeaderLines val="1"/>
+                <c15:leaderLines>
+                  <c:spPr>
+                    <a:ln w="9525" cap="flat" cmpd="sng" algn="ctr">
+                      <a:solidFill>
+                        <a:schemeClr val="tx1">
+                          <a:lumMod val="35000"/>
+                          <a:lumOff val="65000"/>
+                        </a:schemeClr>
+                      </a:solidFill>
+                      <a:round/>
+                    </a:ln>
+                    <a:effectLst/>
+                  </c:spPr>
+                </c15:leaderLines>
+              </c:ext>
+            </c:extLst>
+          </c:dLbls>
+          <c:cat>
+            <c:strRef>
+              <c:f>Sheet2!$H$71:$H$74</c:f>
+              <c:strCache>
+                <c:ptCount val="4"/>
+                <c:pt idx="0">
+                  <c:v>Sklearn</c:v>
+                </c:pt>
+                <c:pt idx="1">
+                  <c:v>HumminbirdTorchCPU</c:v>
+                </c:pt>
+                <c:pt idx="2">
+                  <c:v>HummingbirdTorchScriptCPU</c:v>
+                </c:pt>
+                <c:pt idx="3">
+                  <c:v>ONNXCPU</c:v>
+                </c:pt>
+              </c:strCache>
+            </c:strRef>
+          </c:cat>
+          <c:val>
+            <c:numRef>
+              <c:f>Sheet2!$I$71:$I$74</c:f>
+              <c:numCache>
+                <c:formatCode>General</c:formatCode>
+                <c:ptCount val="4"/>
+                <c:pt idx="0">
+                  <c:v>136573.39000701901</c:v>
+                </c:pt>
+                <c:pt idx="1">
+                  <c:v>78153.047084808393</c:v>
+                </c:pt>
+                <c:pt idx="2">
+                  <c:v>82835.233211517305</c:v>
+                </c:pt>
+                <c:pt idx="3">
+                  <c:v>45775.402545928999</c:v>
+                </c:pt>
+              </c:numCache>
+            </c:numRef>
+          </c:val>
+          <c:extLst>
+            <c:ext xmlns:c16="http://schemas.microsoft.com/office/drawing/2014/chart" uri="{C3380CC4-5D6E-409C-BE32-E72D297353CC}">
+              <c16:uniqueId val="{00000000-A220-4639-A8C5-9B909737DF01}"/>
+            </c:ext>
+          </c:extLst>
+        </c:ser>
+        <c:ser>
+          <c:idx val="1"/>
+          <c:order val="1"/>
+          <c:tx>
+            <c:strRef>
+              <c:f>Sheet2!$J$70</c:f>
+              <c:strCache>
+                <c:ptCount val="1"/>
+                <c:pt idx="0">
+                  <c:v>10000</c:v>
+                </c:pt>
+              </c:strCache>
+            </c:strRef>
+          </c:tx>
+          <c:spPr>
+            <a:solidFill>
+              <a:schemeClr val="accent2"/>
+            </a:solidFill>
+            <a:ln>
+              <a:noFill/>
+            </a:ln>
+            <a:effectLst/>
+          </c:spPr>
+          <c:invertIfNegative val="0"/>
+          <c:dLbls>
+            <c:spPr>
+              <a:noFill/>
+              <a:ln>
+                <a:noFill/>
+              </a:ln>
+              <a:effectLst/>
+            </c:spPr>
+            <c:txPr>
+              <a:bodyPr rot="0" spcFirstLastPara="1" vertOverflow="ellipsis" vert="horz" wrap="square" lIns="38100" tIns="19050" rIns="38100" bIns="19050" anchor="ctr" anchorCtr="1">
+                <a:spAutoFit/>
+              </a:bodyPr>
+              <a:lstStyle/>
+              <a:p>
+                <a:pPr>
+                  <a:defRPr sz="900" b="0" i="0" u="none" strike="noStrike" kern="1200" baseline="0">
+                    <a:solidFill>
+                      <a:schemeClr val="tx1">
+                        <a:lumMod val="75000"/>
+                        <a:lumOff val="25000"/>
+                      </a:schemeClr>
+                    </a:solidFill>
+                    <a:latin typeface="+mn-lt"/>
+                    <a:ea typeface="+mn-ea"/>
+                    <a:cs typeface="+mn-cs"/>
+                  </a:defRPr>
+                </a:pPr>
+                <a:endParaRPr lang="en-US"/>
+              </a:p>
+            </c:txPr>
+            <c:dLblPos val="outEnd"/>
+            <c:showLegendKey val="0"/>
+            <c:showVal val="1"/>
+            <c:showCatName val="0"/>
+            <c:showSerName val="0"/>
+            <c:showPercent val="0"/>
+            <c:showBubbleSize val="0"/>
+            <c:showLeaderLines val="0"/>
+            <c:extLst>
+              <c:ext xmlns:c15="http://schemas.microsoft.com/office/drawing/2012/chart" uri="{CE6537A1-D6FC-4f65-9D91-7224C49458BB}">
+                <c15:showLeaderLines val="1"/>
+                <c15:leaderLines>
+                  <c:spPr>
+                    <a:ln w="9525" cap="flat" cmpd="sng" algn="ctr">
+                      <a:solidFill>
+                        <a:schemeClr val="tx1">
+                          <a:lumMod val="35000"/>
+                          <a:lumOff val="65000"/>
+                        </a:schemeClr>
+                      </a:solidFill>
+                      <a:round/>
+                    </a:ln>
+                    <a:effectLst/>
+                  </c:spPr>
+                </c15:leaderLines>
+              </c:ext>
+            </c:extLst>
+          </c:dLbls>
+          <c:cat>
+            <c:strRef>
+              <c:f>Sheet2!$H$71:$H$74</c:f>
+              <c:strCache>
+                <c:ptCount val="4"/>
+                <c:pt idx="0">
+                  <c:v>Sklearn</c:v>
+                </c:pt>
+                <c:pt idx="1">
+                  <c:v>HumminbirdTorchCPU</c:v>
+                </c:pt>
+                <c:pt idx="2">
+                  <c:v>HummingbirdTorchScriptCPU</c:v>
+                </c:pt>
+                <c:pt idx="3">
+                  <c:v>ONNXCPU</c:v>
+                </c:pt>
+              </c:strCache>
+            </c:strRef>
+          </c:cat>
+          <c:val>
+            <c:numRef>
+              <c:f>Sheet2!$J$71:$J$74</c:f>
+              <c:numCache>
+                <c:formatCode>General</c:formatCode>
+                <c:ptCount val="4"/>
+                <c:pt idx="0">
+                  <c:v>21653.745412826502</c:v>
+                </c:pt>
+                <c:pt idx="1">
+                  <c:v>163559.726953506</c:v>
+                </c:pt>
+                <c:pt idx="2">
+                  <c:v>141051.24235153201</c:v>
+                </c:pt>
+                <c:pt idx="3">
+                  <c:v>28144.618272781401</c:v>
+                </c:pt>
+              </c:numCache>
+            </c:numRef>
+          </c:val>
+          <c:extLst>
+            <c:ext xmlns:c16="http://schemas.microsoft.com/office/drawing/2014/chart" uri="{C3380CC4-5D6E-409C-BE32-E72D297353CC}">
+              <c16:uniqueId val="{00000001-A220-4639-A8C5-9B909737DF01}"/>
+            </c:ext>
+          </c:extLst>
+        </c:ser>
+        <c:ser>
+          <c:idx val="2"/>
+          <c:order val="2"/>
+          <c:tx>
+            <c:strRef>
+              <c:f>Sheet2!$K$70</c:f>
+              <c:strCache>
+                <c:ptCount val="1"/>
+                <c:pt idx="0">
+                  <c:v>1000000</c:v>
+                </c:pt>
+              </c:strCache>
+            </c:strRef>
+          </c:tx>
+          <c:spPr>
+            <a:solidFill>
+              <a:schemeClr val="accent3"/>
+            </a:solidFill>
+            <a:ln>
+              <a:noFill/>
+            </a:ln>
+            <a:effectLst/>
+          </c:spPr>
+          <c:invertIfNegative val="0"/>
+          <c:dLbls>
+            <c:spPr>
+              <a:noFill/>
+              <a:ln>
+                <a:noFill/>
+              </a:ln>
+              <a:effectLst/>
+            </c:spPr>
+            <c:txPr>
+              <a:bodyPr rot="0" spcFirstLastPara="1" vertOverflow="ellipsis" vert="horz" wrap="square" lIns="38100" tIns="19050" rIns="38100" bIns="19050" anchor="ctr" anchorCtr="1">
+                <a:spAutoFit/>
+              </a:bodyPr>
+              <a:lstStyle/>
+              <a:p>
+                <a:pPr>
+                  <a:defRPr sz="900" b="0" i="0" u="none" strike="noStrike" kern="1200" baseline="0">
+                    <a:solidFill>
+                      <a:schemeClr val="tx1">
+                        <a:lumMod val="75000"/>
+                        <a:lumOff val="25000"/>
+                      </a:schemeClr>
+                    </a:solidFill>
+                    <a:latin typeface="+mn-lt"/>
+                    <a:ea typeface="+mn-ea"/>
+                    <a:cs typeface="+mn-cs"/>
+                  </a:defRPr>
+                </a:pPr>
+                <a:endParaRPr lang="en-US"/>
+              </a:p>
+            </c:txPr>
+            <c:dLblPos val="outEnd"/>
+            <c:showLegendKey val="0"/>
+            <c:showVal val="1"/>
+            <c:showCatName val="0"/>
+            <c:showSerName val="0"/>
+            <c:showPercent val="0"/>
+            <c:showBubbleSize val="0"/>
+            <c:showLeaderLines val="0"/>
+            <c:extLst>
+              <c:ext xmlns:c15="http://schemas.microsoft.com/office/drawing/2012/chart" uri="{CE6537A1-D6FC-4f65-9D91-7224C49458BB}">
+                <c15:showLeaderLines val="1"/>
+                <c15:leaderLines>
+                  <c:spPr>
+                    <a:ln w="9525" cap="flat" cmpd="sng" algn="ctr">
+                      <a:solidFill>
+                        <a:schemeClr val="tx1">
+                          <a:lumMod val="35000"/>
+                          <a:lumOff val="65000"/>
+                        </a:schemeClr>
+                      </a:solidFill>
+                      <a:round/>
+                    </a:ln>
+                    <a:effectLst/>
+                  </c:spPr>
+                </c15:leaderLines>
+              </c:ext>
+            </c:extLst>
+          </c:dLbls>
+          <c:cat>
+            <c:strRef>
+              <c:f>Sheet2!$H$71:$H$74</c:f>
+              <c:strCache>
+                <c:ptCount val="4"/>
+                <c:pt idx="0">
+                  <c:v>Sklearn</c:v>
+                </c:pt>
+                <c:pt idx="1">
+                  <c:v>HumminbirdTorchCPU</c:v>
+                </c:pt>
+                <c:pt idx="2">
+                  <c:v>HummingbirdTorchScriptCPU</c:v>
+                </c:pt>
+                <c:pt idx="3">
+                  <c:v>ONNXCPU</c:v>
+                </c:pt>
+              </c:strCache>
+            </c:strRef>
+          </c:cat>
+          <c:val>
+            <c:numRef>
+              <c:f>Sheet2!$K$71:$K$74</c:f>
+              <c:numCache>
+                <c:formatCode>General</c:formatCode>
+                <c:ptCount val="4"/>
+                <c:pt idx="0">
+                  <c:v>20137.602329254099</c:v>
+                </c:pt>
+                <c:pt idx="1">
+                  <c:v>191806.066989899</c:v>
+                </c:pt>
+                <c:pt idx="2">
+                  <c:v>605028.63812446594</c:v>
+                </c:pt>
+                <c:pt idx="3">
+                  <c:v>27451.575040817301</c:v>
+                </c:pt>
+              </c:numCache>
+            </c:numRef>
+          </c:val>
+          <c:extLst>
+            <c:ext xmlns:c16="http://schemas.microsoft.com/office/drawing/2014/chart" uri="{C3380CC4-5D6E-409C-BE32-E72D297353CC}">
+              <c16:uniqueId val="{00000002-A220-4639-A8C5-9B909737DF01}"/>
+            </c:ext>
+          </c:extLst>
+        </c:ser>
+        <c:dLbls>
+          <c:dLblPos val="outEnd"/>
+          <c:showLegendKey val="0"/>
+          <c:showVal val="1"/>
+          <c:showCatName val="0"/>
+          <c:showSerName val="0"/>
+          <c:showPercent val="0"/>
+          <c:showBubbleSize val="0"/>
+        </c:dLbls>
+        <c:gapWidth val="182"/>
+        <c:axId val="1804293040"/>
+        <c:axId val="1804292624"/>
+      </c:barChart>
+      <c:catAx>
+        <c:axId val="1804293040"/>
+        <c:scaling>
+          <c:orientation val="minMax"/>
+        </c:scaling>
+        <c:delete val="0"/>
+        <c:axPos val="l"/>
+        <c:title>
+          <c:tx>
+            <c:rich>
+              <a:bodyPr rot="-5400000" spcFirstLastPara="1" vertOverflow="ellipsis" vert="horz" wrap="square" anchor="ctr" anchorCtr="1"/>
+              <a:lstStyle/>
+              <a:p>
+                <a:pPr>
+                  <a:defRPr sz="1000" b="0" i="0" u="none" strike="noStrike" kern="1200" baseline="0">
+                    <a:solidFill>
+                      <a:schemeClr val="tx1">
+                        <a:lumMod val="65000"/>
+                        <a:lumOff val="35000"/>
+                      </a:schemeClr>
+                    </a:solidFill>
+                    <a:latin typeface="+mn-lt"/>
+                    <a:ea typeface="+mn-ea"/>
+                    <a:cs typeface="+mn-cs"/>
+                  </a:defRPr>
+                </a:pPr>
+                <a:r>
+                  <a:rPr lang="en-US"/>
+                  <a:t>Library</a:t>
+                </a:r>
+              </a:p>
+            </c:rich>
+          </c:tx>
+          <c:overlay val="0"/>
+          <c:spPr>
+            <a:noFill/>
+            <a:ln>
+              <a:noFill/>
+            </a:ln>
+            <a:effectLst/>
+          </c:spPr>
+          <c:txPr>
+            <a:bodyPr rot="-5400000" spcFirstLastPara="1" vertOverflow="ellipsis" vert="horz" wrap="square" anchor="ctr" anchorCtr="1"/>
+            <a:lstStyle/>
+            <a:p>
+              <a:pPr>
+                <a:defRPr sz="1000" b="0" i="0" u="none" strike="noStrike" kern="1200" baseline="0">
+                  <a:solidFill>
+                    <a:schemeClr val="tx1">
+                      <a:lumMod val="65000"/>
+                      <a:lumOff val="35000"/>
+                    </a:schemeClr>
+                  </a:solidFill>
+                  <a:latin typeface="+mn-lt"/>
+                  <a:ea typeface="+mn-ea"/>
+                  <a:cs typeface="+mn-cs"/>
+                </a:defRPr>
+              </a:pPr>
+              <a:endParaRPr lang="en-US"/>
+            </a:p>
+          </c:txPr>
+        </c:title>
+        <c:numFmt formatCode="General" sourceLinked="1"/>
+        <c:majorTickMark val="none"/>
+        <c:minorTickMark val="none"/>
+        <c:tickLblPos val="nextTo"/>
+        <c:spPr>
+          <a:noFill/>
+          <a:ln w="9525" cap="flat" cmpd="sng" algn="ctr">
+            <a:solidFill>
+              <a:schemeClr val="tx1">
+                <a:lumMod val="15000"/>
+                <a:lumOff val="85000"/>
+              </a:schemeClr>
+            </a:solidFill>
+            <a:round/>
+          </a:ln>
+          <a:effectLst/>
+        </c:spPr>
+        <c:txPr>
+          <a:bodyPr rot="-60000000" spcFirstLastPara="1" vertOverflow="ellipsis" vert="horz" wrap="square" anchor="ctr" anchorCtr="1"/>
+          <a:lstStyle/>
+          <a:p>
+            <a:pPr>
+              <a:defRPr sz="900" b="0" i="0" u="none" strike="noStrike" kern="1200" baseline="0">
+                <a:solidFill>
+                  <a:schemeClr val="tx1">
+                    <a:lumMod val="65000"/>
+                    <a:lumOff val="35000"/>
+                  </a:schemeClr>
+                </a:solidFill>
+                <a:latin typeface="+mn-lt"/>
+                <a:ea typeface="+mn-ea"/>
+                <a:cs typeface="+mn-cs"/>
+              </a:defRPr>
+            </a:pPr>
+            <a:endParaRPr lang="en-US"/>
+          </a:p>
+        </c:txPr>
+        <c:crossAx val="1804292624"/>
+        <c:crosses val="autoZero"/>
+        <c:auto val="1"/>
+        <c:lblAlgn val="ctr"/>
+        <c:lblOffset val="100"/>
+        <c:noMultiLvlLbl val="0"/>
+      </c:catAx>
+      <c:valAx>
+        <c:axId val="1804292624"/>
+        <c:scaling>
+          <c:orientation val="minMax"/>
+        </c:scaling>
+        <c:delete val="0"/>
+        <c:axPos val="b"/>
+        <c:majorGridlines>
+          <c:spPr>
+            <a:ln w="9525" cap="flat" cmpd="sng" algn="ctr">
+              <a:solidFill>
+                <a:schemeClr val="tx1">
+                  <a:lumMod val="15000"/>
+                  <a:lumOff val="85000"/>
+                </a:schemeClr>
+              </a:solidFill>
+              <a:round/>
+            </a:ln>
+            <a:effectLst/>
+          </c:spPr>
+        </c:majorGridlines>
+        <c:title>
+          <c:tx>
+            <c:rich>
+              <a:bodyPr rot="0" spcFirstLastPara="1" vertOverflow="ellipsis" vert="horz" wrap="square" anchor="ctr" anchorCtr="1"/>
+              <a:lstStyle/>
+              <a:p>
+                <a:pPr>
+                  <a:defRPr sz="1000" b="0" i="0" u="none" strike="noStrike" kern="1200" baseline="0">
+                    <a:solidFill>
+                      <a:schemeClr val="tx1">
+                        <a:lumMod val="65000"/>
+                        <a:lumOff val="35000"/>
+                      </a:schemeClr>
+                    </a:solidFill>
+                    <a:latin typeface="+mn-lt"/>
+                    <a:ea typeface="+mn-ea"/>
+                    <a:cs typeface="+mn-cs"/>
+                  </a:defRPr>
+                </a:pPr>
+                <a:r>
+                  <a:rPr lang="en-US"/>
+                  <a:t>Time Taken (ms)</a:t>
+                </a:r>
+              </a:p>
+            </c:rich>
+          </c:tx>
+          <c:overlay val="0"/>
+          <c:spPr>
+            <a:noFill/>
+            <a:ln>
+              <a:noFill/>
+            </a:ln>
+            <a:effectLst/>
+          </c:spPr>
+          <c:txPr>
+            <a:bodyPr rot="0" spcFirstLastPara="1" vertOverflow="ellipsis" vert="horz" wrap="square" anchor="ctr" anchorCtr="1"/>
+            <a:lstStyle/>
+            <a:p>
+              <a:pPr>
+                <a:defRPr sz="1000" b="0" i="0" u="none" strike="noStrike" kern="1200" baseline="0">
+                  <a:solidFill>
+                    <a:schemeClr val="tx1">
+                      <a:lumMod val="65000"/>
+                      <a:lumOff val="35000"/>
+                    </a:schemeClr>
+                  </a:solidFill>
+                  <a:latin typeface="+mn-lt"/>
+                  <a:ea typeface="+mn-ea"/>
+                  <a:cs typeface="+mn-cs"/>
+                </a:defRPr>
+              </a:pPr>
+              <a:endParaRPr lang="en-US"/>
+            </a:p>
+          </c:txPr>
+        </c:title>
+        <c:numFmt formatCode="General" sourceLinked="1"/>
+        <c:majorTickMark val="none"/>
+        <c:minorTickMark val="none"/>
+        <c:tickLblPos val="nextTo"/>
+        <c:spPr>
+          <a:noFill/>
+          <a:ln>
+            <a:noFill/>
+          </a:ln>
+          <a:effectLst/>
+        </c:spPr>
+        <c:txPr>
+          <a:bodyPr rot="-60000000" spcFirstLastPara="1" vertOverflow="ellipsis" vert="horz" wrap="square" anchor="ctr" anchorCtr="1"/>
+          <a:lstStyle/>
+          <a:p>
+            <a:pPr>
+              <a:defRPr sz="900" b="0" i="0" u="none" strike="noStrike" kern="1200" baseline="0">
+                <a:solidFill>
+                  <a:schemeClr val="tx1">
+                    <a:lumMod val="65000"/>
+                    <a:lumOff val="35000"/>
+                  </a:schemeClr>
+                </a:solidFill>
+                <a:latin typeface="+mn-lt"/>
+                <a:ea typeface="+mn-ea"/>
+                <a:cs typeface="+mn-cs"/>
+              </a:defRPr>
+            </a:pPr>
+            <a:endParaRPr lang="en-US"/>
+          </a:p>
+        </c:txPr>
+        <c:crossAx val="1804293040"/>
         <c:crosses val="autoZero"/>
         <c:crossBetween val="between"/>
       </c:valAx>
@@ -1741,6 +2502,735 @@
               </a:defRPr>
             </a:pPr>
             <a:r>
+              <a:rPr lang="en-US"/>
+              <a:t>Conversion Time 10 trees 8 depth</a:t>
+            </a:r>
+          </a:p>
+        </c:rich>
+      </c:tx>
+      <c:overlay val="0"/>
+      <c:spPr>
+        <a:noFill/>
+        <a:ln>
+          <a:noFill/>
+        </a:ln>
+        <a:effectLst/>
+      </c:spPr>
+      <c:txPr>
+        <a:bodyPr rot="0" spcFirstLastPara="1" vertOverflow="ellipsis" vert="horz" wrap="square" anchor="ctr" anchorCtr="1"/>
+        <a:lstStyle/>
+        <a:p>
+          <a:pPr>
+            <a:defRPr sz="1400" b="0" i="0" u="none" strike="noStrike" kern="1200" spc="0" baseline="0">
+              <a:solidFill>
+                <a:schemeClr val="tx1">
+                  <a:lumMod val="65000"/>
+                  <a:lumOff val="35000"/>
+                </a:schemeClr>
+              </a:solidFill>
+              <a:latin typeface="+mn-lt"/>
+              <a:ea typeface="+mn-ea"/>
+              <a:cs typeface="+mn-cs"/>
+            </a:defRPr>
+          </a:pPr>
+          <a:endParaRPr lang="en-US"/>
+        </a:p>
+      </c:txPr>
+    </c:title>
+    <c:autoTitleDeleted val="0"/>
+    <c:plotArea>
+      <c:layout/>
+      <c:barChart>
+        <c:barDir val="bar"/>
+        <c:grouping val="clustered"/>
+        <c:varyColors val="0"/>
+        <c:ser>
+          <c:idx val="0"/>
+          <c:order val="0"/>
+          <c:tx>
+            <c:strRef>
+              <c:f>RandomForest!$R$4</c:f>
+              <c:strCache>
+                <c:ptCount val="1"/>
+                <c:pt idx="0">
+                  <c:v>100</c:v>
+                </c:pt>
+              </c:strCache>
+            </c:strRef>
+          </c:tx>
+          <c:spPr>
+            <a:solidFill>
+              <a:schemeClr val="accent1"/>
+            </a:solidFill>
+            <a:ln>
+              <a:noFill/>
+            </a:ln>
+            <a:effectLst/>
+          </c:spPr>
+          <c:invertIfNegative val="0"/>
+          <c:dLbls>
+            <c:spPr>
+              <a:noFill/>
+              <a:ln>
+                <a:noFill/>
+              </a:ln>
+              <a:effectLst/>
+            </c:spPr>
+            <c:txPr>
+              <a:bodyPr rot="0" spcFirstLastPara="1" vertOverflow="ellipsis" vert="horz" wrap="square" lIns="38100" tIns="19050" rIns="38100" bIns="19050" anchor="ctr" anchorCtr="1">
+                <a:spAutoFit/>
+              </a:bodyPr>
+              <a:lstStyle/>
+              <a:p>
+                <a:pPr>
+                  <a:defRPr sz="900" b="0" i="0" u="none" strike="noStrike" kern="1200" baseline="0">
+                    <a:solidFill>
+                      <a:schemeClr val="tx1">
+                        <a:lumMod val="75000"/>
+                        <a:lumOff val="25000"/>
+                      </a:schemeClr>
+                    </a:solidFill>
+                    <a:latin typeface="+mn-lt"/>
+                    <a:ea typeface="+mn-ea"/>
+                    <a:cs typeface="+mn-cs"/>
+                  </a:defRPr>
+                </a:pPr>
+                <a:endParaRPr lang="en-US"/>
+              </a:p>
+            </c:txPr>
+            <c:dLblPos val="outEnd"/>
+            <c:showLegendKey val="0"/>
+            <c:showVal val="1"/>
+            <c:showCatName val="0"/>
+            <c:showSerName val="0"/>
+            <c:showPercent val="0"/>
+            <c:showBubbleSize val="0"/>
+            <c:showLeaderLines val="0"/>
+            <c:extLst>
+              <c:ext xmlns:c15="http://schemas.microsoft.com/office/drawing/2012/chart" uri="{CE6537A1-D6FC-4f65-9D91-7224C49458BB}">
+                <c15:showLeaderLines val="1"/>
+                <c15:leaderLines>
+                  <c:spPr>
+                    <a:ln w="9525" cap="flat" cmpd="sng" algn="ctr">
+                      <a:solidFill>
+                        <a:schemeClr val="tx1">
+                          <a:lumMod val="35000"/>
+                          <a:lumOff val="65000"/>
+                        </a:schemeClr>
+                      </a:solidFill>
+                      <a:round/>
+                    </a:ln>
+                    <a:effectLst/>
+                  </c:spPr>
+                </c15:leaderLines>
+              </c:ext>
+            </c:extLst>
+          </c:dLbls>
+          <c:cat>
+            <c:strRef>
+              <c:f>RandomForest!$Q$5:$Q$7</c:f>
+              <c:strCache>
+                <c:ptCount val="3"/>
+                <c:pt idx="0">
+                  <c:v>HumminbirdTorchCPU</c:v>
+                </c:pt>
+                <c:pt idx="1">
+                  <c:v>ONNXCPU</c:v>
+                </c:pt>
+                <c:pt idx="2">
+                  <c:v>HummingbirdTorchScriptCPU</c:v>
+                </c:pt>
+              </c:strCache>
+            </c:strRef>
+          </c:cat>
+          <c:val>
+            <c:numRef>
+              <c:f>RandomForest!$R$5:$R$7</c:f>
+              <c:numCache>
+                <c:formatCode>General</c:formatCode>
+                <c:ptCount val="3"/>
+                <c:pt idx="0">
+                  <c:v>191.073179244995</c:v>
+                </c:pt>
+                <c:pt idx="1">
+                  <c:v>249.435186386108</c:v>
+                </c:pt>
+                <c:pt idx="2">
+                  <c:v>181.19502067565901</c:v>
+                </c:pt>
+              </c:numCache>
+            </c:numRef>
+          </c:val>
+          <c:extLst>
+            <c:ext xmlns:c16="http://schemas.microsoft.com/office/drawing/2014/chart" uri="{C3380CC4-5D6E-409C-BE32-E72D297353CC}">
+              <c16:uniqueId val="{00000000-269E-4B24-820A-B7DBCE8A9D4B}"/>
+            </c:ext>
+          </c:extLst>
+        </c:ser>
+        <c:ser>
+          <c:idx val="1"/>
+          <c:order val="1"/>
+          <c:tx>
+            <c:strRef>
+              <c:f>RandomForest!$S$4</c:f>
+              <c:strCache>
+                <c:ptCount val="1"/>
+                <c:pt idx="0">
+                  <c:v>10000</c:v>
+                </c:pt>
+              </c:strCache>
+            </c:strRef>
+          </c:tx>
+          <c:spPr>
+            <a:solidFill>
+              <a:schemeClr val="accent2"/>
+            </a:solidFill>
+            <a:ln>
+              <a:noFill/>
+            </a:ln>
+            <a:effectLst/>
+          </c:spPr>
+          <c:invertIfNegative val="0"/>
+          <c:dLbls>
+            <c:spPr>
+              <a:noFill/>
+              <a:ln>
+                <a:noFill/>
+              </a:ln>
+              <a:effectLst/>
+            </c:spPr>
+            <c:txPr>
+              <a:bodyPr rot="0" spcFirstLastPara="1" vertOverflow="ellipsis" vert="horz" wrap="square" lIns="38100" tIns="19050" rIns="38100" bIns="19050" anchor="ctr" anchorCtr="1">
+                <a:spAutoFit/>
+              </a:bodyPr>
+              <a:lstStyle/>
+              <a:p>
+                <a:pPr>
+                  <a:defRPr sz="900" b="0" i="0" u="none" strike="noStrike" kern="1200" baseline="0">
+                    <a:solidFill>
+                      <a:schemeClr val="tx1">
+                        <a:lumMod val="75000"/>
+                        <a:lumOff val="25000"/>
+                      </a:schemeClr>
+                    </a:solidFill>
+                    <a:latin typeface="+mn-lt"/>
+                    <a:ea typeface="+mn-ea"/>
+                    <a:cs typeface="+mn-cs"/>
+                  </a:defRPr>
+                </a:pPr>
+                <a:endParaRPr lang="en-US"/>
+              </a:p>
+            </c:txPr>
+            <c:dLblPos val="outEnd"/>
+            <c:showLegendKey val="0"/>
+            <c:showVal val="1"/>
+            <c:showCatName val="0"/>
+            <c:showSerName val="0"/>
+            <c:showPercent val="0"/>
+            <c:showBubbleSize val="0"/>
+            <c:showLeaderLines val="0"/>
+            <c:extLst>
+              <c:ext xmlns:c15="http://schemas.microsoft.com/office/drawing/2012/chart" uri="{CE6537A1-D6FC-4f65-9D91-7224C49458BB}">
+                <c15:showLeaderLines val="1"/>
+                <c15:leaderLines>
+                  <c:spPr>
+                    <a:ln w="9525" cap="flat" cmpd="sng" algn="ctr">
+                      <a:solidFill>
+                        <a:schemeClr val="tx1">
+                          <a:lumMod val="35000"/>
+                          <a:lumOff val="65000"/>
+                        </a:schemeClr>
+                      </a:solidFill>
+                      <a:round/>
+                    </a:ln>
+                    <a:effectLst/>
+                  </c:spPr>
+                </c15:leaderLines>
+              </c:ext>
+            </c:extLst>
+          </c:dLbls>
+          <c:cat>
+            <c:strRef>
+              <c:f>RandomForest!$Q$5:$Q$7</c:f>
+              <c:strCache>
+                <c:ptCount val="3"/>
+                <c:pt idx="0">
+                  <c:v>HumminbirdTorchCPU</c:v>
+                </c:pt>
+                <c:pt idx="1">
+                  <c:v>ONNXCPU</c:v>
+                </c:pt>
+                <c:pt idx="2">
+                  <c:v>HummingbirdTorchScriptCPU</c:v>
+                </c:pt>
+              </c:strCache>
+            </c:strRef>
+          </c:cat>
+          <c:val>
+            <c:numRef>
+              <c:f>RandomForest!$S$5:$S$7</c:f>
+              <c:numCache>
+                <c:formatCode>General</c:formatCode>
+                <c:ptCount val="3"/>
+                <c:pt idx="2">
+                  <c:v>251.01208686828599</c:v>
+                </c:pt>
+              </c:numCache>
+            </c:numRef>
+          </c:val>
+          <c:extLst>
+            <c:ext xmlns:c16="http://schemas.microsoft.com/office/drawing/2014/chart" uri="{C3380CC4-5D6E-409C-BE32-E72D297353CC}">
+              <c16:uniqueId val="{00000001-269E-4B24-820A-B7DBCE8A9D4B}"/>
+            </c:ext>
+          </c:extLst>
+        </c:ser>
+        <c:ser>
+          <c:idx val="2"/>
+          <c:order val="2"/>
+          <c:tx>
+            <c:strRef>
+              <c:f>RandomForest!$T$4</c:f>
+              <c:strCache>
+                <c:ptCount val="1"/>
+                <c:pt idx="0">
+                  <c:v>1000000</c:v>
+                </c:pt>
+              </c:strCache>
+            </c:strRef>
+          </c:tx>
+          <c:spPr>
+            <a:solidFill>
+              <a:schemeClr val="accent3"/>
+            </a:solidFill>
+            <a:ln>
+              <a:noFill/>
+            </a:ln>
+            <a:effectLst/>
+          </c:spPr>
+          <c:invertIfNegative val="0"/>
+          <c:dLbls>
+            <c:spPr>
+              <a:noFill/>
+              <a:ln>
+                <a:noFill/>
+              </a:ln>
+              <a:effectLst/>
+            </c:spPr>
+            <c:txPr>
+              <a:bodyPr rot="0" spcFirstLastPara="1" vertOverflow="ellipsis" vert="horz" wrap="square" lIns="38100" tIns="19050" rIns="38100" bIns="19050" anchor="ctr" anchorCtr="1">
+                <a:spAutoFit/>
+              </a:bodyPr>
+              <a:lstStyle/>
+              <a:p>
+                <a:pPr>
+                  <a:defRPr sz="900" b="0" i="0" u="none" strike="noStrike" kern="1200" baseline="0">
+                    <a:solidFill>
+                      <a:schemeClr val="tx1">
+                        <a:lumMod val="75000"/>
+                        <a:lumOff val="25000"/>
+                      </a:schemeClr>
+                    </a:solidFill>
+                    <a:latin typeface="+mn-lt"/>
+                    <a:ea typeface="+mn-ea"/>
+                    <a:cs typeface="+mn-cs"/>
+                  </a:defRPr>
+                </a:pPr>
+                <a:endParaRPr lang="en-US"/>
+              </a:p>
+            </c:txPr>
+            <c:dLblPos val="outEnd"/>
+            <c:showLegendKey val="0"/>
+            <c:showVal val="1"/>
+            <c:showCatName val="0"/>
+            <c:showSerName val="0"/>
+            <c:showPercent val="0"/>
+            <c:showBubbleSize val="0"/>
+            <c:showLeaderLines val="0"/>
+            <c:extLst>
+              <c:ext xmlns:c15="http://schemas.microsoft.com/office/drawing/2012/chart" uri="{CE6537A1-D6FC-4f65-9D91-7224C49458BB}">
+                <c15:showLeaderLines val="1"/>
+                <c15:leaderLines>
+                  <c:spPr>
+                    <a:ln w="9525" cap="flat" cmpd="sng" algn="ctr">
+                      <a:solidFill>
+                        <a:schemeClr val="tx1">
+                          <a:lumMod val="35000"/>
+                          <a:lumOff val="65000"/>
+                        </a:schemeClr>
+                      </a:solidFill>
+                      <a:round/>
+                    </a:ln>
+                    <a:effectLst/>
+                  </c:spPr>
+                </c15:leaderLines>
+              </c:ext>
+            </c:extLst>
+          </c:dLbls>
+          <c:cat>
+            <c:strRef>
+              <c:f>RandomForest!$Q$5:$Q$7</c:f>
+              <c:strCache>
+                <c:ptCount val="3"/>
+                <c:pt idx="0">
+                  <c:v>HumminbirdTorchCPU</c:v>
+                </c:pt>
+                <c:pt idx="1">
+                  <c:v>ONNXCPU</c:v>
+                </c:pt>
+                <c:pt idx="2">
+                  <c:v>HummingbirdTorchScriptCPU</c:v>
+                </c:pt>
+              </c:strCache>
+            </c:strRef>
+          </c:cat>
+          <c:val>
+            <c:numRef>
+              <c:f>RandomForest!$T$5:$T$7</c:f>
+              <c:numCache>
+                <c:formatCode>General</c:formatCode>
+                <c:ptCount val="3"/>
+                <c:pt idx="2">
+                  <c:v>10938.5261535645</c:v>
+                </c:pt>
+              </c:numCache>
+            </c:numRef>
+          </c:val>
+          <c:extLst>
+            <c:ext xmlns:c16="http://schemas.microsoft.com/office/drawing/2014/chart" uri="{C3380CC4-5D6E-409C-BE32-E72D297353CC}">
+              <c16:uniqueId val="{00000002-269E-4B24-820A-B7DBCE8A9D4B}"/>
+            </c:ext>
+          </c:extLst>
+        </c:ser>
+        <c:dLbls>
+          <c:dLblPos val="outEnd"/>
+          <c:showLegendKey val="0"/>
+          <c:showVal val="1"/>
+          <c:showCatName val="0"/>
+          <c:showSerName val="0"/>
+          <c:showPercent val="0"/>
+          <c:showBubbleSize val="0"/>
+        </c:dLbls>
+        <c:gapWidth val="182"/>
+        <c:axId val="352701583"/>
+        <c:axId val="352686191"/>
+      </c:barChart>
+      <c:catAx>
+        <c:axId val="352701583"/>
+        <c:scaling>
+          <c:orientation val="minMax"/>
+        </c:scaling>
+        <c:delete val="0"/>
+        <c:axPos val="l"/>
+        <c:title>
+          <c:tx>
+            <c:rich>
+              <a:bodyPr rot="-5400000" spcFirstLastPara="1" vertOverflow="ellipsis" vert="horz" wrap="square" anchor="ctr" anchorCtr="1"/>
+              <a:lstStyle/>
+              <a:p>
+                <a:pPr>
+                  <a:defRPr sz="1000" b="0" i="0" u="none" strike="noStrike" kern="1200" baseline="0">
+                    <a:solidFill>
+                      <a:schemeClr val="tx1">
+                        <a:lumMod val="65000"/>
+                        <a:lumOff val="35000"/>
+                      </a:schemeClr>
+                    </a:solidFill>
+                    <a:latin typeface="+mn-lt"/>
+                    <a:ea typeface="+mn-ea"/>
+                    <a:cs typeface="+mn-cs"/>
+                  </a:defRPr>
+                </a:pPr>
+                <a:r>
+                  <a:rPr lang="en-US"/>
+                  <a:t>Library</a:t>
+                </a:r>
+              </a:p>
+            </c:rich>
+          </c:tx>
+          <c:overlay val="0"/>
+          <c:spPr>
+            <a:noFill/>
+            <a:ln>
+              <a:noFill/>
+            </a:ln>
+            <a:effectLst/>
+          </c:spPr>
+          <c:txPr>
+            <a:bodyPr rot="-5400000" spcFirstLastPara="1" vertOverflow="ellipsis" vert="horz" wrap="square" anchor="ctr" anchorCtr="1"/>
+            <a:lstStyle/>
+            <a:p>
+              <a:pPr>
+                <a:defRPr sz="1000" b="0" i="0" u="none" strike="noStrike" kern="1200" baseline="0">
+                  <a:solidFill>
+                    <a:schemeClr val="tx1">
+                      <a:lumMod val="65000"/>
+                      <a:lumOff val="35000"/>
+                    </a:schemeClr>
+                  </a:solidFill>
+                  <a:latin typeface="+mn-lt"/>
+                  <a:ea typeface="+mn-ea"/>
+                  <a:cs typeface="+mn-cs"/>
+                </a:defRPr>
+              </a:pPr>
+              <a:endParaRPr lang="en-US"/>
+            </a:p>
+          </c:txPr>
+        </c:title>
+        <c:numFmt formatCode="General" sourceLinked="1"/>
+        <c:majorTickMark val="none"/>
+        <c:minorTickMark val="none"/>
+        <c:tickLblPos val="nextTo"/>
+        <c:spPr>
+          <a:noFill/>
+          <a:ln w="9525" cap="flat" cmpd="sng" algn="ctr">
+            <a:solidFill>
+              <a:schemeClr val="tx1">
+                <a:lumMod val="15000"/>
+                <a:lumOff val="85000"/>
+              </a:schemeClr>
+            </a:solidFill>
+            <a:round/>
+          </a:ln>
+          <a:effectLst/>
+        </c:spPr>
+        <c:txPr>
+          <a:bodyPr rot="-60000000" spcFirstLastPara="1" vertOverflow="ellipsis" vert="horz" wrap="square" anchor="ctr" anchorCtr="1"/>
+          <a:lstStyle/>
+          <a:p>
+            <a:pPr>
+              <a:defRPr sz="900" b="0" i="0" u="none" strike="noStrike" kern="1200" baseline="0">
+                <a:solidFill>
+                  <a:schemeClr val="tx1">
+                    <a:lumMod val="65000"/>
+                    <a:lumOff val="35000"/>
+                  </a:schemeClr>
+                </a:solidFill>
+                <a:latin typeface="+mn-lt"/>
+                <a:ea typeface="+mn-ea"/>
+                <a:cs typeface="+mn-cs"/>
+              </a:defRPr>
+            </a:pPr>
+            <a:endParaRPr lang="en-US"/>
+          </a:p>
+        </c:txPr>
+        <c:crossAx val="352686191"/>
+        <c:crosses val="autoZero"/>
+        <c:auto val="1"/>
+        <c:lblAlgn val="ctr"/>
+        <c:lblOffset val="100"/>
+        <c:noMultiLvlLbl val="0"/>
+      </c:catAx>
+      <c:valAx>
+        <c:axId val="352686191"/>
+        <c:scaling>
+          <c:orientation val="minMax"/>
+        </c:scaling>
+        <c:delete val="0"/>
+        <c:axPos val="b"/>
+        <c:majorGridlines>
+          <c:spPr>
+            <a:ln w="9525" cap="flat" cmpd="sng" algn="ctr">
+              <a:solidFill>
+                <a:schemeClr val="tx1">
+                  <a:lumMod val="15000"/>
+                  <a:lumOff val="85000"/>
+                </a:schemeClr>
+              </a:solidFill>
+              <a:round/>
+            </a:ln>
+            <a:effectLst/>
+          </c:spPr>
+        </c:majorGridlines>
+        <c:title>
+          <c:tx>
+            <c:rich>
+              <a:bodyPr rot="0" spcFirstLastPara="1" vertOverflow="ellipsis" vert="horz" wrap="square" anchor="ctr" anchorCtr="1"/>
+              <a:lstStyle/>
+              <a:p>
+                <a:pPr>
+                  <a:defRPr sz="1000" b="0" i="0" u="none" strike="noStrike" kern="1200" baseline="0">
+                    <a:solidFill>
+                      <a:schemeClr val="tx1">
+                        <a:lumMod val="65000"/>
+                        <a:lumOff val="35000"/>
+                      </a:schemeClr>
+                    </a:solidFill>
+                    <a:latin typeface="+mn-lt"/>
+                    <a:ea typeface="+mn-ea"/>
+                    <a:cs typeface="+mn-cs"/>
+                  </a:defRPr>
+                </a:pPr>
+                <a:r>
+                  <a:rPr lang="en-US"/>
+                  <a:t>Time taken to convert (ms)</a:t>
+                </a:r>
+              </a:p>
+            </c:rich>
+          </c:tx>
+          <c:overlay val="0"/>
+          <c:spPr>
+            <a:noFill/>
+            <a:ln>
+              <a:noFill/>
+            </a:ln>
+            <a:effectLst/>
+          </c:spPr>
+          <c:txPr>
+            <a:bodyPr rot="0" spcFirstLastPara="1" vertOverflow="ellipsis" vert="horz" wrap="square" anchor="ctr" anchorCtr="1"/>
+            <a:lstStyle/>
+            <a:p>
+              <a:pPr>
+                <a:defRPr sz="1000" b="0" i="0" u="none" strike="noStrike" kern="1200" baseline="0">
+                  <a:solidFill>
+                    <a:schemeClr val="tx1">
+                      <a:lumMod val="65000"/>
+                      <a:lumOff val="35000"/>
+                    </a:schemeClr>
+                  </a:solidFill>
+                  <a:latin typeface="+mn-lt"/>
+                  <a:ea typeface="+mn-ea"/>
+                  <a:cs typeface="+mn-cs"/>
+                </a:defRPr>
+              </a:pPr>
+              <a:endParaRPr lang="en-US"/>
+            </a:p>
+          </c:txPr>
+        </c:title>
+        <c:numFmt formatCode="General" sourceLinked="1"/>
+        <c:majorTickMark val="none"/>
+        <c:minorTickMark val="none"/>
+        <c:tickLblPos val="nextTo"/>
+        <c:spPr>
+          <a:noFill/>
+          <a:ln>
+            <a:noFill/>
+          </a:ln>
+          <a:effectLst/>
+        </c:spPr>
+        <c:txPr>
+          <a:bodyPr rot="-60000000" spcFirstLastPara="1" vertOverflow="ellipsis" vert="horz" wrap="square" anchor="ctr" anchorCtr="1"/>
+          <a:lstStyle/>
+          <a:p>
+            <a:pPr>
+              <a:defRPr sz="900" b="0" i="0" u="none" strike="noStrike" kern="1200" baseline="0">
+                <a:solidFill>
+                  <a:schemeClr val="tx1">
+                    <a:lumMod val="65000"/>
+                    <a:lumOff val="35000"/>
+                  </a:schemeClr>
+                </a:solidFill>
+                <a:latin typeface="+mn-lt"/>
+                <a:ea typeface="+mn-ea"/>
+                <a:cs typeface="+mn-cs"/>
+              </a:defRPr>
+            </a:pPr>
+            <a:endParaRPr lang="en-US"/>
+          </a:p>
+        </c:txPr>
+        <c:crossAx val="352701583"/>
+        <c:crosses val="autoZero"/>
+        <c:crossBetween val="between"/>
+      </c:valAx>
+      <c:spPr>
+        <a:noFill/>
+        <a:ln>
+          <a:noFill/>
+        </a:ln>
+        <a:effectLst/>
+      </c:spPr>
+    </c:plotArea>
+    <c:legend>
+      <c:legendPos val="b"/>
+      <c:overlay val="0"/>
+      <c:spPr>
+        <a:noFill/>
+        <a:ln>
+          <a:noFill/>
+        </a:ln>
+        <a:effectLst/>
+      </c:spPr>
+      <c:txPr>
+        <a:bodyPr rot="0" spcFirstLastPara="1" vertOverflow="ellipsis" vert="horz" wrap="square" anchor="ctr" anchorCtr="1"/>
+        <a:lstStyle/>
+        <a:p>
+          <a:pPr>
+            <a:defRPr sz="900" b="0" i="0" u="none" strike="noStrike" kern="1200" baseline="0">
+              <a:solidFill>
+                <a:schemeClr val="tx1">
+                  <a:lumMod val="65000"/>
+                  <a:lumOff val="35000"/>
+                </a:schemeClr>
+              </a:solidFill>
+              <a:latin typeface="+mn-lt"/>
+              <a:ea typeface="+mn-ea"/>
+              <a:cs typeface="+mn-cs"/>
+            </a:defRPr>
+          </a:pPr>
+          <a:endParaRPr lang="en-US"/>
+        </a:p>
+      </c:txPr>
+    </c:legend>
+    <c:plotVisOnly val="1"/>
+    <c:dispBlanksAs val="gap"/>
+    <c:showDLblsOverMax val="0"/>
+  </c:chart>
+  <c:spPr>
+    <a:noFill/>
+    <a:ln>
+      <a:noFill/>
+    </a:ln>
+    <a:effectLst/>
+  </c:spPr>
+  <c:txPr>
+    <a:bodyPr/>
+    <a:lstStyle/>
+    <a:p>
+      <a:pPr>
+        <a:defRPr/>
+      </a:pPr>
+      <a:endParaRPr lang="en-US"/>
+    </a:p>
+  </c:txPr>
+  <c:externalData r:id="rId3">
+    <c:autoUpdate val="0"/>
+  </c:externalData>
+</c:chartSpace>
+</file>
+
+<file path=ppt/charts/chart4.xml><?xml version="1.0" encoding="utf-8"?>
+<c:chartSpace xmlns:c="http://schemas.openxmlformats.org/drawingml/2006/chart" xmlns:a="http://schemas.openxmlformats.org/drawingml/2006/main" xmlns:r="http://schemas.openxmlformats.org/officeDocument/2006/relationships" xmlns:c16r2="http://schemas.microsoft.com/office/drawing/2015/06/chart">
+  <c:date1904 val="0"/>
+  <c:lang val="en-US"/>
+  <c:roundedCorners val="0"/>
+  <mc:AlternateContent xmlns:mc="http://schemas.openxmlformats.org/markup-compatibility/2006">
+    <mc:Choice xmlns:c14="http://schemas.microsoft.com/office/drawing/2007/8/2/chart" Requires="c14">
+      <c14:style val="102"/>
+    </mc:Choice>
+    <mc:Fallback>
+      <c:style val="2"/>
+    </mc:Fallback>
+  </mc:AlternateContent>
+  <c:chart>
+    <c:title>
+      <c:tx>
+        <c:rich>
+          <a:bodyPr rot="0" spcFirstLastPara="1" vertOverflow="ellipsis" vert="horz" wrap="square" anchor="ctr" anchorCtr="1"/>
+          <a:lstStyle/>
+          <a:p>
+            <a:pPr>
+              <a:defRPr sz="1400" b="0" i="0" u="none" strike="noStrike" kern="1200" spc="0" baseline="0">
+                <a:solidFill>
+                  <a:schemeClr val="tx1">
+                    <a:lumMod val="65000"/>
+                    <a:lumOff val="35000"/>
+                  </a:schemeClr>
+                </a:solidFill>
+                <a:latin typeface="+mn-lt"/>
+                <a:ea typeface="+mn-ea"/>
+                <a:cs typeface="+mn-cs"/>
+              </a:defRPr>
+            </a:pPr>
+            <a:r>
               <a:rPr lang="en-US" dirty="0" err="1"/>
               <a:t>Randomforest</a:t>
             </a:r>
@@ -2475,7 +3965,7 @@
 </c:chartSpace>
 </file>
 
-<file path=ppt/charts/chart4.xml><?xml version="1.0" encoding="utf-8"?>
+<file path=ppt/charts/chart5.xml><?xml version="1.0" encoding="utf-8"?>
 <c:chartSpace xmlns:c="http://schemas.openxmlformats.org/drawingml/2006/chart" xmlns:a="http://schemas.openxmlformats.org/drawingml/2006/main" xmlns:r="http://schemas.openxmlformats.org/officeDocument/2006/relationships" xmlns:c16r2="http://schemas.microsoft.com/office/drawing/2015/06/chart">
   <c:date1904 val="0"/>
   <c:lang val="en-US"/>
@@ -3243,7 +4733,741 @@
 </c:chartSpace>
 </file>
 
-<file path=ppt/charts/chart5.xml><?xml version="1.0" encoding="utf-8"?>
+<file path=ppt/charts/chart6.xml><?xml version="1.0" encoding="utf-8"?>
+<c:chartSpace xmlns:c="http://schemas.openxmlformats.org/drawingml/2006/chart" xmlns:a="http://schemas.openxmlformats.org/drawingml/2006/main" xmlns:r="http://schemas.openxmlformats.org/officeDocument/2006/relationships" xmlns:c16r2="http://schemas.microsoft.com/office/drawing/2015/06/chart">
+  <c:date1904 val="0"/>
+  <c:lang val="en-US"/>
+  <c:roundedCorners val="0"/>
+  <mc:AlternateContent xmlns:mc="http://schemas.openxmlformats.org/markup-compatibility/2006">
+    <mc:Choice xmlns:c14="http://schemas.microsoft.com/office/drawing/2007/8/2/chart" Requires="c14">
+      <c14:style val="102"/>
+    </mc:Choice>
+    <mc:Fallback>
+      <c:style val="2"/>
+    </mc:Fallback>
+  </mc:AlternateContent>
+  <c:chart>
+    <c:title>
+      <c:tx>
+        <c:rich>
+          <a:bodyPr rot="0" spcFirstLastPara="1" vertOverflow="ellipsis" vert="horz" wrap="square" anchor="ctr" anchorCtr="1"/>
+          <a:lstStyle/>
+          <a:p>
+            <a:pPr>
+              <a:defRPr sz="1400" b="0" i="0" u="none" strike="noStrike" kern="1200" spc="0" baseline="0">
+                <a:solidFill>
+                  <a:schemeClr val="tx1">
+                    <a:lumMod val="65000"/>
+                    <a:lumOff val="35000"/>
+                  </a:schemeClr>
+                </a:solidFill>
+                <a:latin typeface="+mn-lt"/>
+                <a:ea typeface="+mn-ea"/>
+                <a:cs typeface="+mn-cs"/>
+              </a:defRPr>
+            </a:pPr>
+            <a:r>
+              <a:rPr lang="en-US"/>
+              <a:t>Conversion</a:t>
+            </a:r>
+            <a:r>
+              <a:rPr lang="en-US" baseline="0"/>
+              <a:t> Time 500 trees 8 depth</a:t>
+            </a:r>
+            <a:endParaRPr lang="en-US"/>
+          </a:p>
+        </c:rich>
+      </c:tx>
+      <c:overlay val="0"/>
+      <c:spPr>
+        <a:noFill/>
+        <a:ln>
+          <a:noFill/>
+        </a:ln>
+        <a:effectLst/>
+      </c:spPr>
+      <c:txPr>
+        <a:bodyPr rot="0" spcFirstLastPara="1" vertOverflow="ellipsis" vert="horz" wrap="square" anchor="ctr" anchorCtr="1"/>
+        <a:lstStyle/>
+        <a:p>
+          <a:pPr>
+            <a:defRPr sz="1400" b="0" i="0" u="none" strike="noStrike" kern="1200" spc="0" baseline="0">
+              <a:solidFill>
+                <a:schemeClr val="tx1">
+                  <a:lumMod val="65000"/>
+                  <a:lumOff val="35000"/>
+                </a:schemeClr>
+              </a:solidFill>
+              <a:latin typeface="+mn-lt"/>
+              <a:ea typeface="+mn-ea"/>
+              <a:cs typeface="+mn-cs"/>
+            </a:defRPr>
+          </a:pPr>
+          <a:endParaRPr lang="en-US"/>
+        </a:p>
+      </c:txPr>
+    </c:title>
+    <c:autoTitleDeleted val="0"/>
+    <c:plotArea>
+      <c:layout/>
+      <c:barChart>
+        <c:barDir val="bar"/>
+        <c:grouping val="clustered"/>
+        <c:varyColors val="0"/>
+        <c:ser>
+          <c:idx val="0"/>
+          <c:order val="0"/>
+          <c:tx>
+            <c:strRef>
+              <c:f>RandomForest!$R$46</c:f>
+              <c:strCache>
+                <c:ptCount val="1"/>
+                <c:pt idx="0">
+                  <c:v>100</c:v>
+                </c:pt>
+              </c:strCache>
+            </c:strRef>
+          </c:tx>
+          <c:spPr>
+            <a:solidFill>
+              <a:schemeClr val="accent1"/>
+            </a:solidFill>
+            <a:ln>
+              <a:noFill/>
+            </a:ln>
+            <a:effectLst/>
+          </c:spPr>
+          <c:invertIfNegative val="0"/>
+          <c:dLbls>
+            <c:spPr>
+              <a:noFill/>
+              <a:ln>
+                <a:noFill/>
+              </a:ln>
+              <a:effectLst/>
+            </c:spPr>
+            <c:txPr>
+              <a:bodyPr rot="0" spcFirstLastPara="1" vertOverflow="ellipsis" vert="horz" wrap="square" lIns="38100" tIns="19050" rIns="38100" bIns="19050" anchor="ctr" anchorCtr="1">
+                <a:spAutoFit/>
+              </a:bodyPr>
+              <a:lstStyle/>
+              <a:p>
+                <a:pPr>
+                  <a:defRPr sz="900" b="0" i="0" u="none" strike="noStrike" kern="1200" baseline="0">
+                    <a:solidFill>
+                      <a:schemeClr val="tx1">
+                        <a:lumMod val="75000"/>
+                        <a:lumOff val="25000"/>
+                      </a:schemeClr>
+                    </a:solidFill>
+                    <a:latin typeface="+mn-lt"/>
+                    <a:ea typeface="+mn-ea"/>
+                    <a:cs typeface="+mn-cs"/>
+                  </a:defRPr>
+                </a:pPr>
+                <a:endParaRPr lang="en-US"/>
+              </a:p>
+            </c:txPr>
+            <c:dLblPos val="outEnd"/>
+            <c:showLegendKey val="0"/>
+            <c:showVal val="1"/>
+            <c:showCatName val="0"/>
+            <c:showSerName val="0"/>
+            <c:showPercent val="0"/>
+            <c:showBubbleSize val="0"/>
+            <c:showLeaderLines val="0"/>
+            <c:extLst>
+              <c:ext xmlns:c15="http://schemas.microsoft.com/office/drawing/2012/chart" uri="{CE6537A1-D6FC-4f65-9D91-7224C49458BB}">
+                <c15:showLeaderLines val="1"/>
+                <c15:leaderLines>
+                  <c:spPr>
+                    <a:ln w="9525" cap="flat" cmpd="sng" algn="ctr">
+                      <a:solidFill>
+                        <a:schemeClr val="tx1">
+                          <a:lumMod val="35000"/>
+                          <a:lumOff val="65000"/>
+                        </a:schemeClr>
+                      </a:solidFill>
+                      <a:round/>
+                    </a:ln>
+                    <a:effectLst/>
+                  </c:spPr>
+                </c15:leaderLines>
+              </c:ext>
+            </c:extLst>
+          </c:dLbls>
+          <c:cat>
+            <c:strRef>
+              <c:f>RandomForest!$Q$47:$Q$49</c:f>
+              <c:strCache>
+                <c:ptCount val="3"/>
+                <c:pt idx="0">
+                  <c:v>HumminbirdTorchCPU</c:v>
+                </c:pt>
+                <c:pt idx="1">
+                  <c:v>ONNXCPU</c:v>
+                </c:pt>
+                <c:pt idx="2">
+                  <c:v>HummingbirdTorchScriptCPU</c:v>
+                </c:pt>
+              </c:strCache>
+            </c:strRef>
+          </c:cat>
+          <c:val>
+            <c:numRef>
+              <c:f>RandomForest!$R$47:$R$49</c:f>
+              <c:numCache>
+                <c:formatCode>General</c:formatCode>
+                <c:ptCount val="3"/>
+                <c:pt idx="0">
+                  <c:v>3840.3789997100798</c:v>
+                </c:pt>
+                <c:pt idx="1">
+                  <c:v>7251.2507438659704</c:v>
+                </c:pt>
+                <c:pt idx="2">
+                  <c:v>3477.6661396026602</c:v>
+                </c:pt>
+              </c:numCache>
+            </c:numRef>
+          </c:val>
+          <c:extLst>
+            <c:ext xmlns:c16="http://schemas.microsoft.com/office/drawing/2014/chart" uri="{C3380CC4-5D6E-409C-BE32-E72D297353CC}">
+              <c16:uniqueId val="{00000000-1DD0-46F0-A242-C7DCE9055AE3}"/>
+            </c:ext>
+          </c:extLst>
+        </c:ser>
+        <c:ser>
+          <c:idx val="1"/>
+          <c:order val="1"/>
+          <c:tx>
+            <c:strRef>
+              <c:f>RandomForest!$S$46</c:f>
+              <c:strCache>
+                <c:ptCount val="1"/>
+                <c:pt idx="0">
+                  <c:v>10000</c:v>
+                </c:pt>
+              </c:strCache>
+            </c:strRef>
+          </c:tx>
+          <c:spPr>
+            <a:solidFill>
+              <a:schemeClr val="accent2"/>
+            </a:solidFill>
+            <a:ln>
+              <a:noFill/>
+            </a:ln>
+            <a:effectLst/>
+          </c:spPr>
+          <c:invertIfNegative val="0"/>
+          <c:dLbls>
+            <c:spPr>
+              <a:noFill/>
+              <a:ln>
+                <a:noFill/>
+              </a:ln>
+              <a:effectLst/>
+            </c:spPr>
+            <c:txPr>
+              <a:bodyPr rot="0" spcFirstLastPara="1" vertOverflow="ellipsis" vert="horz" wrap="square" lIns="38100" tIns="19050" rIns="38100" bIns="19050" anchor="ctr" anchorCtr="1">
+                <a:spAutoFit/>
+              </a:bodyPr>
+              <a:lstStyle/>
+              <a:p>
+                <a:pPr>
+                  <a:defRPr sz="900" b="0" i="0" u="none" strike="noStrike" kern="1200" baseline="0">
+                    <a:solidFill>
+                      <a:schemeClr val="tx1">
+                        <a:lumMod val="75000"/>
+                        <a:lumOff val="25000"/>
+                      </a:schemeClr>
+                    </a:solidFill>
+                    <a:latin typeface="+mn-lt"/>
+                    <a:ea typeface="+mn-ea"/>
+                    <a:cs typeface="+mn-cs"/>
+                  </a:defRPr>
+                </a:pPr>
+                <a:endParaRPr lang="en-US"/>
+              </a:p>
+            </c:txPr>
+            <c:dLblPos val="outEnd"/>
+            <c:showLegendKey val="0"/>
+            <c:showVal val="1"/>
+            <c:showCatName val="0"/>
+            <c:showSerName val="0"/>
+            <c:showPercent val="0"/>
+            <c:showBubbleSize val="0"/>
+            <c:showLeaderLines val="0"/>
+            <c:extLst>
+              <c:ext xmlns:c15="http://schemas.microsoft.com/office/drawing/2012/chart" uri="{CE6537A1-D6FC-4f65-9D91-7224C49458BB}">
+                <c15:showLeaderLines val="1"/>
+                <c15:leaderLines>
+                  <c:spPr>
+                    <a:ln w="9525" cap="flat" cmpd="sng" algn="ctr">
+                      <a:solidFill>
+                        <a:schemeClr val="tx1">
+                          <a:lumMod val="35000"/>
+                          <a:lumOff val="65000"/>
+                        </a:schemeClr>
+                      </a:solidFill>
+                      <a:round/>
+                    </a:ln>
+                    <a:effectLst/>
+                  </c:spPr>
+                </c15:leaderLines>
+              </c:ext>
+            </c:extLst>
+          </c:dLbls>
+          <c:cat>
+            <c:strRef>
+              <c:f>RandomForest!$Q$47:$Q$49</c:f>
+              <c:strCache>
+                <c:ptCount val="3"/>
+                <c:pt idx="0">
+                  <c:v>HumminbirdTorchCPU</c:v>
+                </c:pt>
+                <c:pt idx="1">
+                  <c:v>ONNXCPU</c:v>
+                </c:pt>
+                <c:pt idx="2">
+                  <c:v>HummingbirdTorchScriptCPU</c:v>
+                </c:pt>
+              </c:strCache>
+            </c:strRef>
+          </c:cat>
+          <c:val>
+            <c:numRef>
+              <c:f>RandomForest!$S$47:$S$49</c:f>
+              <c:numCache>
+                <c:formatCode>General</c:formatCode>
+                <c:ptCount val="3"/>
+                <c:pt idx="2">
+                  <c:v>7578.59325408936</c:v>
+                </c:pt>
+              </c:numCache>
+            </c:numRef>
+          </c:val>
+          <c:extLst>
+            <c:ext xmlns:c16="http://schemas.microsoft.com/office/drawing/2014/chart" uri="{C3380CC4-5D6E-409C-BE32-E72D297353CC}">
+              <c16:uniqueId val="{00000001-1DD0-46F0-A242-C7DCE9055AE3}"/>
+            </c:ext>
+          </c:extLst>
+        </c:ser>
+        <c:ser>
+          <c:idx val="2"/>
+          <c:order val="2"/>
+          <c:tx>
+            <c:strRef>
+              <c:f>RandomForest!$T$46</c:f>
+              <c:strCache>
+                <c:ptCount val="1"/>
+                <c:pt idx="0">
+                  <c:v>1000000</c:v>
+                </c:pt>
+              </c:strCache>
+            </c:strRef>
+          </c:tx>
+          <c:spPr>
+            <a:solidFill>
+              <a:schemeClr val="accent3"/>
+            </a:solidFill>
+            <a:ln>
+              <a:noFill/>
+            </a:ln>
+            <a:effectLst/>
+          </c:spPr>
+          <c:invertIfNegative val="0"/>
+          <c:dLbls>
+            <c:spPr>
+              <a:noFill/>
+              <a:ln>
+                <a:noFill/>
+              </a:ln>
+              <a:effectLst/>
+            </c:spPr>
+            <c:txPr>
+              <a:bodyPr rot="0" spcFirstLastPara="1" vertOverflow="ellipsis" vert="horz" wrap="square" lIns="38100" tIns="19050" rIns="38100" bIns="19050" anchor="ctr" anchorCtr="1">
+                <a:spAutoFit/>
+              </a:bodyPr>
+              <a:lstStyle/>
+              <a:p>
+                <a:pPr>
+                  <a:defRPr sz="900" b="0" i="0" u="none" strike="noStrike" kern="1200" baseline="0">
+                    <a:solidFill>
+                      <a:schemeClr val="tx1">
+                        <a:lumMod val="75000"/>
+                        <a:lumOff val="25000"/>
+                      </a:schemeClr>
+                    </a:solidFill>
+                    <a:latin typeface="+mn-lt"/>
+                    <a:ea typeface="+mn-ea"/>
+                    <a:cs typeface="+mn-cs"/>
+                  </a:defRPr>
+                </a:pPr>
+                <a:endParaRPr lang="en-US"/>
+              </a:p>
+            </c:txPr>
+            <c:dLblPos val="outEnd"/>
+            <c:showLegendKey val="0"/>
+            <c:showVal val="1"/>
+            <c:showCatName val="0"/>
+            <c:showSerName val="0"/>
+            <c:showPercent val="0"/>
+            <c:showBubbleSize val="0"/>
+            <c:showLeaderLines val="0"/>
+            <c:extLst>
+              <c:ext xmlns:c15="http://schemas.microsoft.com/office/drawing/2012/chart" uri="{CE6537A1-D6FC-4f65-9D91-7224C49458BB}">
+                <c15:showLeaderLines val="1"/>
+                <c15:leaderLines>
+                  <c:spPr>
+                    <a:ln w="9525" cap="flat" cmpd="sng" algn="ctr">
+                      <a:solidFill>
+                        <a:schemeClr val="tx1">
+                          <a:lumMod val="35000"/>
+                          <a:lumOff val="65000"/>
+                        </a:schemeClr>
+                      </a:solidFill>
+                      <a:round/>
+                    </a:ln>
+                    <a:effectLst/>
+                  </c:spPr>
+                </c15:leaderLines>
+              </c:ext>
+            </c:extLst>
+          </c:dLbls>
+          <c:cat>
+            <c:strRef>
+              <c:f>RandomForest!$Q$47:$Q$49</c:f>
+              <c:strCache>
+                <c:ptCount val="3"/>
+                <c:pt idx="0">
+                  <c:v>HumminbirdTorchCPU</c:v>
+                </c:pt>
+                <c:pt idx="1">
+                  <c:v>ONNXCPU</c:v>
+                </c:pt>
+                <c:pt idx="2">
+                  <c:v>HummingbirdTorchScriptCPU</c:v>
+                </c:pt>
+              </c:strCache>
+            </c:strRef>
+          </c:cat>
+          <c:val>
+            <c:numRef>
+              <c:f>RandomForest!$T$47:$T$49</c:f>
+              <c:numCache>
+                <c:formatCode>General</c:formatCode>
+                <c:ptCount val="3"/>
+                <c:pt idx="2">
+                  <c:v>444874.01199340803</c:v>
+                </c:pt>
+              </c:numCache>
+            </c:numRef>
+          </c:val>
+          <c:extLst>
+            <c:ext xmlns:c16="http://schemas.microsoft.com/office/drawing/2014/chart" uri="{C3380CC4-5D6E-409C-BE32-E72D297353CC}">
+              <c16:uniqueId val="{00000002-1DD0-46F0-A242-C7DCE9055AE3}"/>
+            </c:ext>
+          </c:extLst>
+        </c:ser>
+        <c:dLbls>
+          <c:dLblPos val="outEnd"/>
+          <c:showLegendKey val="0"/>
+          <c:showVal val="1"/>
+          <c:showCatName val="0"/>
+          <c:showSerName val="0"/>
+          <c:showPercent val="0"/>
+          <c:showBubbleSize val="0"/>
+        </c:dLbls>
+        <c:gapWidth val="182"/>
+        <c:axId val="354696095"/>
+        <c:axId val="354696511"/>
+      </c:barChart>
+      <c:catAx>
+        <c:axId val="354696095"/>
+        <c:scaling>
+          <c:orientation val="minMax"/>
+        </c:scaling>
+        <c:delete val="0"/>
+        <c:axPos val="l"/>
+        <c:title>
+          <c:tx>
+            <c:rich>
+              <a:bodyPr rot="-5400000" spcFirstLastPara="1" vertOverflow="ellipsis" vert="horz" wrap="square" anchor="ctr" anchorCtr="1"/>
+              <a:lstStyle/>
+              <a:p>
+                <a:pPr>
+                  <a:defRPr sz="1000" b="0" i="0" u="none" strike="noStrike" kern="1200" baseline="0">
+                    <a:solidFill>
+                      <a:schemeClr val="tx1">
+                        <a:lumMod val="65000"/>
+                        <a:lumOff val="35000"/>
+                      </a:schemeClr>
+                    </a:solidFill>
+                    <a:latin typeface="+mn-lt"/>
+                    <a:ea typeface="+mn-ea"/>
+                    <a:cs typeface="+mn-cs"/>
+                  </a:defRPr>
+                </a:pPr>
+                <a:r>
+                  <a:rPr lang="en-US"/>
+                  <a:t>Library</a:t>
+                </a:r>
+              </a:p>
+            </c:rich>
+          </c:tx>
+          <c:overlay val="0"/>
+          <c:spPr>
+            <a:noFill/>
+            <a:ln>
+              <a:noFill/>
+            </a:ln>
+            <a:effectLst/>
+          </c:spPr>
+          <c:txPr>
+            <a:bodyPr rot="-5400000" spcFirstLastPara="1" vertOverflow="ellipsis" vert="horz" wrap="square" anchor="ctr" anchorCtr="1"/>
+            <a:lstStyle/>
+            <a:p>
+              <a:pPr>
+                <a:defRPr sz="1000" b="0" i="0" u="none" strike="noStrike" kern="1200" baseline="0">
+                  <a:solidFill>
+                    <a:schemeClr val="tx1">
+                      <a:lumMod val="65000"/>
+                      <a:lumOff val="35000"/>
+                    </a:schemeClr>
+                  </a:solidFill>
+                  <a:latin typeface="+mn-lt"/>
+                  <a:ea typeface="+mn-ea"/>
+                  <a:cs typeface="+mn-cs"/>
+                </a:defRPr>
+              </a:pPr>
+              <a:endParaRPr lang="en-US"/>
+            </a:p>
+          </c:txPr>
+        </c:title>
+        <c:numFmt formatCode="General" sourceLinked="1"/>
+        <c:majorTickMark val="none"/>
+        <c:minorTickMark val="none"/>
+        <c:tickLblPos val="nextTo"/>
+        <c:spPr>
+          <a:noFill/>
+          <a:ln w="9525" cap="flat" cmpd="sng" algn="ctr">
+            <a:solidFill>
+              <a:schemeClr val="tx1">
+                <a:lumMod val="15000"/>
+                <a:lumOff val="85000"/>
+              </a:schemeClr>
+            </a:solidFill>
+            <a:round/>
+          </a:ln>
+          <a:effectLst/>
+        </c:spPr>
+        <c:txPr>
+          <a:bodyPr rot="-60000000" spcFirstLastPara="1" vertOverflow="ellipsis" vert="horz" wrap="square" anchor="ctr" anchorCtr="1"/>
+          <a:lstStyle/>
+          <a:p>
+            <a:pPr>
+              <a:defRPr sz="900" b="0" i="0" u="none" strike="noStrike" kern="1200" baseline="0">
+                <a:solidFill>
+                  <a:schemeClr val="tx1">
+                    <a:lumMod val="65000"/>
+                    <a:lumOff val="35000"/>
+                  </a:schemeClr>
+                </a:solidFill>
+                <a:latin typeface="+mn-lt"/>
+                <a:ea typeface="+mn-ea"/>
+                <a:cs typeface="+mn-cs"/>
+              </a:defRPr>
+            </a:pPr>
+            <a:endParaRPr lang="en-US"/>
+          </a:p>
+        </c:txPr>
+        <c:crossAx val="354696511"/>
+        <c:crosses val="autoZero"/>
+        <c:auto val="1"/>
+        <c:lblAlgn val="ctr"/>
+        <c:lblOffset val="100"/>
+        <c:noMultiLvlLbl val="0"/>
+      </c:catAx>
+      <c:valAx>
+        <c:axId val="354696511"/>
+        <c:scaling>
+          <c:orientation val="minMax"/>
+        </c:scaling>
+        <c:delete val="0"/>
+        <c:axPos val="b"/>
+        <c:majorGridlines>
+          <c:spPr>
+            <a:ln w="9525" cap="flat" cmpd="sng" algn="ctr">
+              <a:solidFill>
+                <a:schemeClr val="tx1">
+                  <a:lumMod val="15000"/>
+                  <a:lumOff val="85000"/>
+                </a:schemeClr>
+              </a:solidFill>
+              <a:round/>
+            </a:ln>
+            <a:effectLst/>
+          </c:spPr>
+        </c:majorGridlines>
+        <c:title>
+          <c:tx>
+            <c:rich>
+              <a:bodyPr rot="0" spcFirstLastPara="1" vertOverflow="ellipsis" vert="horz" wrap="square" anchor="ctr" anchorCtr="1"/>
+              <a:lstStyle/>
+              <a:p>
+                <a:pPr>
+                  <a:defRPr sz="1000" b="0" i="0" u="none" strike="noStrike" kern="1200" baseline="0">
+                    <a:solidFill>
+                      <a:schemeClr val="tx1">
+                        <a:lumMod val="65000"/>
+                        <a:lumOff val="35000"/>
+                      </a:schemeClr>
+                    </a:solidFill>
+                    <a:latin typeface="+mn-lt"/>
+                    <a:ea typeface="+mn-ea"/>
+                    <a:cs typeface="+mn-cs"/>
+                  </a:defRPr>
+                </a:pPr>
+                <a:r>
+                  <a:rPr lang="en-US"/>
+                  <a:t>Time Taken (ms)</a:t>
+                </a:r>
+              </a:p>
+            </c:rich>
+          </c:tx>
+          <c:overlay val="0"/>
+          <c:spPr>
+            <a:noFill/>
+            <a:ln>
+              <a:noFill/>
+            </a:ln>
+            <a:effectLst/>
+          </c:spPr>
+          <c:txPr>
+            <a:bodyPr rot="0" spcFirstLastPara="1" vertOverflow="ellipsis" vert="horz" wrap="square" anchor="ctr" anchorCtr="1"/>
+            <a:lstStyle/>
+            <a:p>
+              <a:pPr>
+                <a:defRPr sz="1000" b="0" i="0" u="none" strike="noStrike" kern="1200" baseline="0">
+                  <a:solidFill>
+                    <a:schemeClr val="tx1">
+                      <a:lumMod val="65000"/>
+                      <a:lumOff val="35000"/>
+                    </a:schemeClr>
+                  </a:solidFill>
+                  <a:latin typeface="+mn-lt"/>
+                  <a:ea typeface="+mn-ea"/>
+                  <a:cs typeface="+mn-cs"/>
+                </a:defRPr>
+              </a:pPr>
+              <a:endParaRPr lang="en-US"/>
+            </a:p>
+          </c:txPr>
+        </c:title>
+        <c:numFmt formatCode="General" sourceLinked="1"/>
+        <c:majorTickMark val="none"/>
+        <c:minorTickMark val="none"/>
+        <c:tickLblPos val="nextTo"/>
+        <c:spPr>
+          <a:noFill/>
+          <a:ln>
+            <a:noFill/>
+          </a:ln>
+          <a:effectLst/>
+        </c:spPr>
+        <c:txPr>
+          <a:bodyPr rot="-60000000" spcFirstLastPara="1" vertOverflow="ellipsis" vert="horz" wrap="square" anchor="ctr" anchorCtr="1"/>
+          <a:lstStyle/>
+          <a:p>
+            <a:pPr>
+              <a:defRPr sz="900" b="0" i="0" u="none" strike="noStrike" kern="1200" baseline="0">
+                <a:solidFill>
+                  <a:schemeClr val="tx1">
+                    <a:lumMod val="65000"/>
+                    <a:lumOff val="35000"/>
+                  </a:schemeClr>
+                </a:solidFill>
+                <a:latin typeface="+mn-lt"/>
+                <a:ea typeface="+mn-ea"/>
+                <a:cs typeface="+mn-cs"/>
+              </a:defRPr>
+            </a:pPr>
+            <a:endParaRPr lang="en-US"/>
+          </a:p>
+        </c:txPr>
+        <c:crossAx val="354696095"/>
+        <c:crosses val="autoZero"/>
+        <c:crossBetween val="between"/>
+      </c:valAx>
+      <c:spPr>
+        <a:noFill/>
+        <a:ln>
+          <a:noFill/>
+        </a:ln>
+        <a:effectLst/>
+      </c:spPr>
+    </c:plotArea>
+    <c:legend>
+      <c:legendPos val="b"/>
+      <c:overlay val="0"/>
+      <c:spPr>
+        <a:noFill/>
+        <a:ln>
+          <a:noFill/>
+        </a:ln>
+        <a:effectLst/>
+      </c:spPr>
+      <c:txPr>
+        <a:bodyPr rot="0" spcFirstLastPara="1" vertOverflow="ellipsis" vert="horz" wrap="square" anchor="ctr" anchorCtr="1"/>
+        <a:lstStyle/>
+        <a:p>
+          <a:pPr>
+            <a:defRPr sz="900" b="0" i="0" u="none" strike="noStrike" kern="1200" baseline="0">
+              <a:solidFill>
+                <a:schemeClr val="tx1">
+                  <a:lumMod val="65000"/>
+                  <a:lumOff val="35000"/>
+                </a:schemeClr>
+              </a:solidFill>
+              <a:latin typeface="+mn-lt"/>
+              <a:ea typeface="+mn-ea"/>
+              <a:cs typeface="+mn-cs"/>
+            </a:defRPr>
+          </a:pPr>
+          <a:endParaRPr lang="en-US"/>
+        </a:p>
+      </c:txPr>
+    </c:legend>
+    <c:plotVisOnly val="1"/>
+    <c:dispBlanksAs val="gap"/>
+    <c:showDLblsOverMax val="0"/>
+  </c:chart>
+  <c:spPr>
+    <a:noFill/>
+    <a:ln>
+      <a:noFill/>
+    </a:ln>
+    <a:effectLst/>
+  </c:spPr>
+  <c:txPr>
+    <a:bodyPr/>
+    <a:lstStyle/>
+    <a:p>
+      <a:pPr>
+        <a:defRPr/>
+      </a:pPr>
+      <a:endParaRPr lang="en-US"/>
+    </a:p>
+  </c:txPr>
+  <c:externalData r:id="rId3">
+    <c:autoUpdate val="0"/>
+  </c:externalData>
+</c:chartSpace>
+</file>
+
+<file path=ppt/charts/chart7.xml><?xml version="1.0" encoding="utf-8"?>
 <c:chartSpace xmlns:c="http://schemas.openxmlformats.org/drawingml/2006/chart" xmlns:a="http://schemas.openxmlformats.org/drawingml/2006/main" xmlns:r="http://schemas.openxmlformats.org/officeDocument/2006/relationships" xmlns:c16r2="http://schemas.microsoft.com/office/drawing/2015/06/chart">
   <c:date1904 val="0"/>
   <c:lang val="en-US"/>
@@ -4007,7 +6231,7 @@
 </c:chartSpace>
 </file>
 
-<file path=ppt/charts/chart6.xml><?xml version="1.0" encoding="utf-8"?>
+<file path=ppt/charts/chart8.xml><?xml version="1.0" encoding="utf-8"?>
 <c:chartSpace xmlns:c="http://schemas.openxmlformats.org/drawingml/2006/chart" xmlns:a="http://schemas.openxmlformats.org/drawingml/2006/main" xmlns:r="http://schemas.openxmlformats.org/officeDocument/2006/relationships" xmlns:c16r2="http://schemas.microsoft.com/office/drawing/2015/06/chart">
   <c:date1904 val="0"/>
   <c:lang val="en-US"/>
@@ -4776,7 +7000,7 @@
 </c:chartSpace>
 </file>
 
-<file path=ppt/charts/chart7.xml><?xml version="1.0" encoding="utf-8"?>
+<file path=ppt/charts/chart9.xml><?xml version="1.0" encoding="utf-8"?>
 <c:chartSpace xmlns:c="http://schemas.openxmlformats.org/drawingml/2006/chart" xmlns:a="http://schemas.openxmlformats.org/drawingml/2006/main" xmlns:r="http://schemas.openxmlformats.org/officeDocument/2006/relationships" xmlns:c16r2="http://schemas.microsoft.com/office/drawing/2015/06/chart">
   <c:date1904 val="0"/>
   <c:lang val="en-US"/>
@@ -5540,766 +7764,47 @@
 </c:chartSpace>
 </file>
 
-<file path=ppt/charts/chart8.xml><?xml version="1.0" encoding="utf-8"?>
-<c:chartSpace xmlns:c="http://schemas.openxmlformats.org/drawingml/2006/chart" xmlns:a="http://schemas.openxmlformats.org/drawingml/2006/main" xmlns:r="http://schemas.openxmlformats.org/officeDocument/2006/relationships" xmlns:c16r2="http://schemas.microsoft.com/office/drawing/2015/06/chart">
-  <c:date1904 val="0"/>
-  <c:lang val="en-US"/>
-  <c:roundedCorners val="0"/>
-  <mc:AlternateContent xmlns:mc="http://schemas.openxmlformats.org/markup-compatibility/2006">
-    <mc:Choice xmlns:c14="http://schemas.microsoft.com/office/drawing/2007/8/2/chart" Requires="c14">
-      <c14:style val="102"/>
-    </mc:Choice>
-    <mc:Fallback>
-      <c:style val="2"/>
-    </mc:Fallback>
-  </mc:AlternateContent>
-  <c:chart>
-    <c:title>
-      <c:tx>
-        <c:rich>
-          <a:bodyPr rot="0" spcFirstLastPara="1" vertOverflow="ellipsis" vert="horz" wrap="square" anchor="ctr" anchorCtr="1"/>
-          <a:lstStyle/>
-          <a:p>
-            <a:pPr>
-              <a:defRPr sz="1400" b="0" i="0" u="none" strike="noStrike" kern="1200" spc="0" baseline="0">
-                <a:solidFill>
-                  <a:schemeClr val="tx1">
-                    <a:lumMod val="65000"/>
-                    <a:lumOff val="35000"/>
-                  </a:schemeClr>
-                </a:solidFill>
-                <a:latin typeface="+mn-lt"/>
-                <a:ea typeface="+mn-ea"/>
-                <a:cs typeface="+mn-cs"/>
-              </a:defRPr>
-            </a:pPr>
-            <a:r>
-              <a:rPr lang="en-US"/>
-              <a:t>XGBoost Total Time 500 trees 8 depth</a:t>
-            </a:r>
-          </a:p>
-        </c:rich>
-      </c:tx>
-      <c:overlay val="0"/>
-      <c:spPr>
-        <a:noFill/>
-        <a:ln>
-          <a:noFill/>
-        </a:ln>
-        <a:effectLst/>
-      </c:spPr>
-      <c:txPr>
-        <a:bodyPr rot="0" spcFirstLastPara="1" vertOverflow="ellipsis" vert="horz" wrap="square" anchor="ctr" anchorCtr="1"/>
-        <a:lstStyle/>
-        <a:p>
-          <a:pPr>
-            <a:defRPr sz="1400" b="0" i="0" u="none" strike="noStrike" kern="1200" spc="0" baseline="0">
-              <a:solidFill>
-                <a:schemeClr val="tx1">
-                  <a:lumMod val="65000"/>
-                  <a:lumOff val="35000"/>
-                </a:schemeClr>
-              </a:solidFill>
-              <a:latin typeface="+mn-lt"/>
-              <a:ea typeface="+mn-ea"/>
-              <a:cs typeface="+mn-cs"/>
-            </a:defRPr>
-          </a:pPr>
-          <a:endParaRPr lang="en-US"/>
-        </a:p>
-      </c:txPr>
-    </c:title>
-    <c:autoTitleDeleted val="0"/>
-    <c:plotArea>
-      <c:layout/>
-      <c:barChart>
-        <c:barDir val="bar"/>
-        <c:grouping val="clustered"/>
-        <c:varyColors val="0"/>
-        <c:ser>
-          <c:idx val="0"/>
-          <c:order val="0"/>
-          <c:tx>
-            <c:strRef>
-              <c:f>Sheet2!$I$70</c:f>
-              <c:strCache>
-                <c:ptCount val="1"/>
-                <c:pt idx="0">
-                  <c:v>100</c:v>
-                </c:pt>
-              </c:strCache>
-            </c:strRef>
-          </c:tx>
-          <c:spPr>
-            <a:solidFill>
-              <a:schemeClr val="accent1"/>
-            </a:solidFill>
-            <a:ln>
-              <a:noFill/>
-            </a:ln>
-            <a:effectLst/>
-          </c:spPr>
-          <c:invertIfNegative val="0"/>
-          <c:dLbls>
-            <c:spPr>
-              <a:noFill/>
-              <a:ln>
-                <a:noFill/>
-              </a:ln>
-              <a:effectLst/>
-            </c:spPr>
-            <c:txPr>
-              <a:bodyPr rot="0" spcFirstLastPara="1" vertOverflow="ellipsis" vert="horz" wrap="square" lIns="38100" tIns="19050" rIns="38100" bIns="19050" anchor="ctr" anchorCtr="1">
-                <a:spAutoFit/>
-              </a:bodyPr>
-              <a:lstStyle/>
-              <a:p>
-                <a:pPr>
-                  <a:defRPr sz="900" b="0" i="0" u="none" strike="noStrike" kern="1200" baseline="0">
-                    <a:solidFill>
-                      <a:schemeClr val="tx1">
-                        <a:lumMod val="75000"/>
-                        <a:lumOff val="25000"/>
-                      </a:schemeClr>
-                    </a:solidFill>
-                    <a:latin typeface="+mn-lt"/>
-                    <a:ea typeface="+mn-ea"/>
-                    <a:cs typeface="+mn-cs"/>
-                  </a:defRPr>
-                </a:pPr>
-                <a:endParaRPr lang="en-US"/>
-              </a:p>
-            </c:txPr>
-            <c:dLblPos val="outEnd"/>
-            <c:showLegendKey val="0"/>
-            <c:showVal val="1"/>
-            <c:showCatName val="0"/>
-            <c:showSerName val="0"/>
-            <c:showPercent val="0"/>
-            <c:showBubbleSize val="0"/>
-            <c:showLeaderLines val="0"/>
-            <c:extLst>
-              <c:ext xmlns:c15="http://schemas.microsoft.com/office/drawing/2012/chart" uri="{CE6537A1-D6FC-4f65-9D91-7224C49458BB}">
-                <c15:showLeaderLines val="1"/>
-                <c15:leaderLines>
-                  <c:spPr>
-                    <a:ln w="9525" cap="flat" cmpd="sng" algn="ctr">
-                      <a:solidFill>
-                        <a:schemeClr val="tx1">
-                          <a:lumMod val="35000"/>
-                          <a:lumOff val="65000"/>
-                        </a:schemeClr>
-                      </a:solidFill>
-                      <a:round/>
-                    </a:ln>
-                    <a:effectLst/>
-                  </c:spPr>
-                </c15:leaderLines>
-              </c:ext>
-            </c:extLst>
-          </c:dLbls>
-          <c:cat>
-            <c:strRef>
-              <c:f>Sheet2!$H$71:$H$74</c:f>
-              <c:strCache>
-                <c:ptCount val="4"/>
-                <c:pt idx="0">
-                  <c:v>Sklearn</c:v>
-                </c:pt>
-                <c:pt idx="1">
-                  <c:v>HumminbirdTorchCPU</c:v>
-                </c:pt>
-                <c:pt idx="2">
-                  <c:v>HummingbirdTorchScriptCPU</c:v>
-                </c:pt>
-                <c:pt idx="3">
-                  <c:v>ONNXCPU</c:v>
-                </c:pt>
-              </c:strCache>
-            </c:strRef>
-          </c:cat>
-          <c:val>
-            <c:numRef>
-              <c:f>Sheet2!$I$71:$I$74</c:f>
-              <c:numCache>
-                <c:formatCode>General</c:formatCode>
-                <c:ptCount val="4"/>
-                <c:pt idx="0">
-                  <c:v>136573.39000701901</c:v>
-                </c:pt>
-                <c:pt idx="1">
-                  <c:v>78153.047084808393</c:v>
-                </c:pt>
-                <c:pt idx="2">
-                  <c:v>82835.233211517305</c:v>
-                </c:pt>
-                <c:pt idx="3">
-                  <c:v>45775.402545928999</c:v>
-                </c:pt>
-              </c:numCache>
-            </c:numRef>
-          </c:val>
-          <c:extLst>
-            <c:ext xmlns:c16="http://schemas.microsoft.com/office/drawing/2014/chart" uri="{C3380CC4-5D6E-409C-BE32-E72D297353CC}">
-              <c16:uniqueId val="{00000000-A220-4639-A8C5-9B909737DF01}"/>
-            </c:ext>
-          </c:extLst>
-        </c:ser>
-        <c:ser>
-          <c:idx val="1"/>
-          <c:order val="1"/>
-          <c:tx>
-            <c:strRef>
-              <c:f>Sheet2!$J$70</c:f>
-              <c:strCache>
-                <c:ptCount val="1"/>
-                <c:pt idx="0">
-                  <c:v>10000</c:v>
-                </c:pt>
-              </c:strCache>
-            </c:strRef>
-          </c:tx>
-          <c:spPr>
-            <a:solidFill>
-              <a:schemeClr val="accent2"/>
-            </a:solidFill>
-            <a:ln>
-              <a:noFill/>
-            </a:ln>
-            <a:effectLst/>
-          </c:spPr>
-          <c:invertIfNegative val="0"/>
-          <c:dLbls>
-            <c:spPr>
-              <a:noFill/>
-              <a:ln>
-                <a:noFill/>
-              </a:ln>
-              <a:effectLst/>
-            </c:spPr>
-            <c:txPr>
-              <a:bodyPr rot="0" spcFirstLastPara="1" vertOverflow="ellipsis" vert="horz" wrap="square" lIns="38100" tIns="19050" rIns="38100" bIns="19050" anchor="ctr" anchorCtr="1">
-                <a:spAutoFit/>
-              </a:bodyPr>
-              <a:lstStyle/>
-              <a:p>
-                <a:pPr>
-                  <a:defRPr sz="900" b="0" i="0" u="none" strike="noStrike" kern="1200" baseline="0">
-                    <a:solidFill>
-                      <a:schemeClr val="tx1">
-                        <a:lumMod val="75000"/>
-                        <a:lumOff val="25000"/>
-                      </a:schemeClr>
-                    </a:solidFill>
-                    <a:latin typeface="+mn-lt"/>
-                    <a:ea typeface="+mn-ea"/>
-                    <a:cs typeface="+mn-cs"/>
-                  </a:defRPr>
-                </a:pPr>
-                <a:endParaRPr lang="en-US"/>
-              </a:p>
-            </c:txPr>
-            <c:dLblPos val="outEnd"/>
-            <c:showLegendKey val="0"/>
-            <c:showVal val="1"/>
-            <c:showCatName val="0"/>
-            <c:showSerName val="0"/>
-            <c:showPercent val="0"/>
-            <c:showBubbleSize val="0"/>
-            <c:showLeaderLines val="0"/>
-            <c:extLst>
-              <c:ext xmlns:c15="http://schemas.microsoft.com/office/drawing/2012/chart" uri="{CE6537A1-D6FC-4f65-9D91-7224C49458BB}">
-                <c15:showLeaderLines val="1"/>
-                <c15:leaderLines>
-                  <c:spPr>
-                    <a:ln w="9525" cap="flat" cmpd="sng" algn="ctr">
-                      <a:solidFill>
-                        <a:schemeClr val="tx1">
-                          <a:lumMod val="35000"/>
-                          <a:lumOff val="65000"/>
-                        </a:schemeClr>
-                      </a:solidFill>
-                      <a:round/>
-                    </a:ln>
-                    <a:effectLst/>
-                  </c:spPr>
-                </c15:leaderLines>
-              </c:ext>
-            </c:extLst>
-          </c:dLbls>
-          <c:cat>
-            <c:strRef>
-              <c:f>Sheet2!$H$71:$H$74</c:f>
-              <c:strCache>
-                <c:ptCount val="4"/>
-                <c:pt idx="0">
-                  <c:v>Sklearn</c:v>
-                </c:pt>
-                <c:pt idx="1">
-                  <c:v>HumminbirdTorchCPU</c:v>
-                </c:pt>
-                <c:pt idx="2">
-                  <c:v>HummingbirdTorchScriptCPU</c:v>
-                </c:pt>
-                <c:pt idx="3">
-                  <c:v>ONNXCPU</c:v>
-                </c:pt>
-              </c:strCache>
-            </c:strRef>
-          </c:cat>
-          <c:val>
-            <c:numRef>
-              <c:f>Sheet2!$J$71:$J$74</c:f>
-              <c:numCache>
-                <c:formatCode>General</c:formatCode>
-                <c:ptCount val="4"/>
-                <c:pt idx="0">
-                  <c:v>21653.745412826502</c:v>
-                </c:pt>
-                <c:pt idx="1">
-                  <c:v>163559.726953506</c:v>
-                </c:pt>
-                <c:pt idx="2">
-                  <c:v>141051.24235153201</c:v>
-                </c:pt>
-                <c:pt idx="3">
-                  <c:v>28144.618272781401</c:v>
-                </c:pt>
-              </c:numCache>
-            </c:numRef>
-          </c:val>
-          <c:extLst>
-            <c:ext xmlns:c16="http://schemas.microsoft.com/office/drawing/2014/chart" uri="{C3380CC4-5D6E-409C-BE32-E72D297353CC}">
-              <c16:uniqueId val="{00000001-A220-4639-A8C5-9B909737DF01}"/>
-            </c:ext>
-          </c:extLst>
-        </c:ser>
-        <c:ser>
-          <c:idx val="2"/>
-          <c:order val="2"/>
-          <c:tx>
-            <c:strRef>
-              <c:f>Sheet2!$K$70</c:f>
-              <c:strCache>
-                <c:ptCount val="1"/>
-                <c:pt idx="0">
-                  <c:v>1000000</c:v>
-                </c:pt>
-              </c:strCache>
-            </c:strRef>
-          </c:tx>
-          <c:spPr>
-            <a:solidFill>
-              <a:schemeClr val="accent3"/>
-            </a:solidFill>
-            <a:ln>
-              <a:noFill/>
-            </a:ln>
-            <a:effectLst/>
-          </c:spPr>
-          <c:invertIfNegative val="0"/>
-          <c:dLbls>
-            <c:spPr>
-              <a:noFill/>
-              <a:ln>
-                <a:noFill/>
-              </a:ln>
-              <a:effectLst/>
-            </c:spPr>
-            <c:txPr>
-              <a:bodyPr rot="0" spcFirstLastPara="1" vertOverflow="ellipsis" vert="horz" wrap="square" lIns="38100" tIns="19050" rIns="38100" bIns="19050" anchor="ctr" anchorCtr="1">
-                <a:spAutoFit/>
-              </a:bodyPr>
-              <a:lstStyle/>
-              <a:p>
-                <a:pPr>
-                  <a:defRPr sz="900" b="0" i="0" u="none" strike="noStrike" kern="1200" baseline="0">
-                    <a:solidFill>
-                      <a:schemeClr val="tx1">
-                        <a:lumMod val="75000"/>
-                        <a:lumOff val="25000"/>
-                      </a:schemeClr>
-                    </a:solidFill>
-                    <a:latin typeface="+mn-lt"/>
-                    <a:ea typeface="+mn-ea"/>
-                    <a:cs typeface="+mn-cs"/>
-                  </a:defRPr>
-                </a:pPr>
-                <a:endParaRPr lang="en-US"/>
-              </a:p>
-            </c:txPr>
-            <c:dLblPos val="outEnd"/>
-            <c:showLegendKey val="0"/>
-            <c:showVal val="1"/>
-            <c:showCatName val="0"/>
-            <c:showSerName val="0"/>
-            <c:showPercent val="0"/>
-            <c:showBubbleSize val="0"/>
-            <c:showLeaderLines val="0"/>
-            <c:extLst>
-              <c:ext xmlns:c15="http://schemas.microsoft.com/office/drawing/2012/chart" uri="{CE6537A1-D6FC-4f65-9D91-7224C49458BB}">
-                <c15:showLeaderLines val="1"/>
-                <c15:leaderLines>
-                  <c:spPr>
-                    <a:ln w="9525" cap="flat" cmpd="sng" algn="ctr">
-                      <a:solidFill>
-                        <a:schemeClr val="tx1">
-                          <a:lumMod val="35000"/>
-                          <a:lumOff val="65000"/>
-                        </a:schemeClr>
-                      </a:solidFill>
-                      <a:round/>
-                    </a:ln>
-                    <a:effectLst/>
-                  </c:spPr>
-                </c15:leaderLines>
-              </c:ext>
-            </c:extLst>
-          </c:dLbls>
-          <c:cat>
-            <c:strRef>
-              <c:f>Sheet2!$H$71:$H$74</c:f>
-              <c:strCache>
-                <c:ptCount val="4"/>
-                <c:pt idx="0">
-                  <c:v>Sklearn</c:v>
-                </c:pt>
-                <c:pt idx="1">
-                  <c:v>HumminbirdTorchCPU</c:v>
-                </c:pt>
-                <c:pt idx="2">
-                  <c:v>HummingbirdTorchScriptCPU</c:v>
-                </c:pt>
-                <c:pt idx="3">
-                  <c:v>ONNXCPU</c:v>
-                </c:pt>
-              </c:strCache>
-            </c:strRef>
-          </c:cat>
-          <c:val>
-            <c:numRef>
-              <c:f>Sheet2!$K$71:$K$74</c:f>
-              <c:numCache>
-                <c:formatCode>General</c:formatCode>
-                <c:ptCount val="4"/>
-                <c:pt idx="0">
-                  <c:v>20137.602329254099</c:v>
-                </c:pt>
-                <c:pt idx="1">
-                  <c:v>191806.066989899</c:v>
-                </c:pt>
-                <c:pt idx="2">
-                  <c:v>605028.63812446594</c:v>
-                </c:pt>
-                <c:pt idx="3">
-                  <c:v>27451.575040817301</c:v>
-                </c:pt>
-              </c:numCache>
-            </c:numRef>
-          </c:val>
-          <c:extLst>
-            <c:ext xmlns:c16="http://schemas.microsoft.com/office/drawing/2014/chart" uri="{C3380CC4-5D6E-409C-BE32-E72D297353CC}">
-              <c16:uniqueId val="{00000002-A220-4639-A8C5-9B909737DF01}"/>
-            </c:ext>
-          </c:extLst>
-        </c:ser>
-        <c:dLbls>
-          <c:dLblPos val="outEnd"/>
-          <c:showLegendKey val="0"/>
-          <c:showVal val="1"/>
-          <c:showCatName val="0"/>
-          <c:showSerName val="0"/>
-          <c:showPercent val="0"/>
-          <c:showBubbleSize val="0"/>
-        </c:dLbls>
-        <c:gapWidth val="182"/>
-        <c:axId val="1804293040"/>
-        <c:axId val="1804292624"/>
-      </c:barChart>
-      <c:catAx>
-        <c:axId val="1804293040"/>
-        <c:scaling>
-          <c:orientation val="minMax"/>
-        </c:scaling>
-        <c:delete val="0"/>
-        <c:axPos val="l"/>
-        <c:title>
-          <c:tx>
-            <c:rich>
-              <a:bodyPr rot="-5400000" spcFirstLastPara="1" vertOverflow="ellipsis" vert="horz" wrap="square" anchor="ctr" anchorCtr="1"/>
-              <a:lstStyle/>
-              <a:p>
-                <a:pPr>
-                  <a:defRPr sz="1000" b="0" i="0" u="none" strike="noStrike" kern="1200" baseline="0">
-                    <a:solidFill>
-                      <a:schemeClr val="tx1">
-                        <a:lumMod val="65000"/>
-                        <a:lumOff val="35000"/>
-                      </a:schemeClr>
-                    </a:solidFill>
-                    <a:latin typeface="+mn-lt"/>
-                    <a:ea typeface="+mn-ea"/>
-                    <a:cs typeface="+mn-cs"/>
-                  </a:defRPr>
-                </a:pPr>
-                <a:r>
-                  <a:rPr lang="en-US"/>
-                  <a:t>Library</a:t>
-                </a:r>
-              </a:p>
-            </c:rich>
-          </c:tx>
-          <c:overlay val="0"/>
-          <c:spPr>
-            <a:noFill/>
-            <a:ln>
-              <a:noFill/>
-            </a:ln>
-            <a:effectLst/>
-          </c:spPr>
-          <c:txPr>
-            <a:bodyPr rot="-5400000" spcFirstLastPara="1" vertOverflow="ellipsis" vert="horz" wrap="square" anchor="ctr" anchorCtr="1"/>
-            <a:lstStyle/>
-            <a:p>
-              <a:pPr>
-                <a:defRPr sz="1000" b="0" i="0" u="none" strike="noStrike" kern="1200" baseline="0">
-                  <a:solidFill>
-                    <a:schemeClr val="tx1">
-                      <a:lumMod val="65000"/>
-                      <a:lumOff val="35000"/>
-                    </a:schemeClr>
-                  </a:solidFill>
-                  <a:latin typeface="+mn-lt"/>
-                  <a:ea typeface="+mn-ea"/>
-                  <a:cs typeface="+mn-cs"/>
-                </a:defRPr>
-              </a:pPr>
-              <a:endParaRPr lang="en-US"/>
-            </a:p>
-          </c:txPr>
-        </c:title>
-        <c:numFmt formatCode="General" sourceLinked="1"/>
-        <c:majorTickMark val="none"/>
-        <c:minorTickMark val="none"/>
-        <c:tickLblPos val="nextTo"/>
-        <c:spPr>
-          <a:noFill/>
-          <a:ln w="9525" cap="flat" cmpd="sng" algn="ctr">
-            <a:solidFill>
-              <a:schemeClr val="tx1">
-                <a:lumMod val="15000"/>
-                <a:lumOff val="85000"/>
-              </a:schemeClr>
-            </a:solidFill>
-            <a:round/>
-          </a:ln>
-          <a:effectLst/>
-        </c:spPr>
-        <c:txPr>
-          <a:bodyPr rot="-60000000" spcFirstLastPara="1" vertOverflow="ellipsis" vert="horz" wrap="square" anchor="ctr" anchorCtr="1"/>
-          <a:lstStyle/>
-          <a:p>
-            <a:pPr>
-              <a:defRPr sz="900" b="0" i="0" u="none" strike="noStrike" kern="1200" baseline="0">
-                <a:solidFill>
-                  <a:schemeClr val="tx1">
-                    <a:lumMod val="65000"/>
-                    <a:lumOff val="35000"/>
-                  </a:schemeClr>
-                </a:solidFill>
-                <a:latin typeface="+mn-lt"/>
-                <a:ea typeface="+mn-ea"/>
-                <a:cs typeface="+mn-cs"/>
-              </a:defRPr>
-            </a:pPr>
-            <a:endParaRPr lang="en-US"/>
-          </a:p>
-        </c:txPr>
-        <c:crossAx val="1804292624"/>
-        <c:crosses val="autoZero"/>
-        <c:auto val="1"/>
-        <c:lblAlgn val="ctr"/>
-        <c:lblOffset val="100"/>
-        <c:noMultiLvlLbl val="0"/>
-      </c:catAx>
-      <c:valAx>
-        <c:axId val="1804292624"/>
-        <c:scaling>
-          <c:orientation val="minMax"/>
-        </c:scaling>
-        <c:delete val="0"/>
-        <c:axPos val="b"/>
-        <c:majorGridlines>
-          <c:spPr>
-            <a:ln w="9525" cap="flat" cmpd="sng" algn="ctr">
-              <a:solidFill>
-                <a:schemeClr val="tx1">
-                  <a:lumMod val="15000"/>
-                  <a:lumOff val="85000"/>
-                </a:schemeClr>
-              </a:solidFill>
-              <a:round/>
-            </a:ln>
-            <a:effectLst/>
-          </c:spPr>
-        </c:majorGridlines>
-        <c:title>
-          <c:tx>
-            <c:rich>
-              <a:bodyPr rot="0" spcFirstLastPara="1" vertOverflow="ellipsis" vert="horz" wrap="square" anchor="ctr" anchorCtr="1"/>
-              <a:lstStyle/>
-              <a:p>
-                <a:pPr>
-                  <a:defRPr sz="1000" b="0" i="0" u="none" strike="noStrike" kern="1200" baseline="0">
-                    <a:solidFill>
-                      <a:schemeClr val="tx1">
-                        <a:lumMod val="65000"/>
-                        <a:lumOff val="35000"/>
-                      </a:schemeClr>
-                    </a:solidFill>
-                    <a:latin typeface="+mn-lt"/>
-                    <a:ea typeface="+mn-ea"/>
-                    <a:cs typeface="+mn-cs"/>
-                  </a:defRPr>
-                </a:pPr>
-                <a:r>
-                  <a:rPr lang="en-US"/>
-                  <a:t>Time Taken (ms)</a:t>
-                </a:r>
-              </a:p>
-            </c:rich>
-          </c:tx>
-          <c:overlay val="0"/>
-          <c:spPr>
-            <a:noFill/>
-            <a:ln>
-              <a:noFill/>
-            </a:ln>
-            <a:effectLst/>
-          </c:spPr>
-          <c:txPr>
-            <a:bodyPr rot="0" spcFirstLastPara="1" vertOverflow="ellipsis" vert="horz" wrap="square" anchor="ctr" anchorCtr="1"/>
-            <a:lstStyle/>
-            <a:p>
-              <a:pPr>
-                <a:defRPr sz="1000" b="0" i="0" u="none" strike="noStrike" kern="1200" baseline="0">
-                  <a:solidFill>
-                    <a:schemeClr val="tx1">
-                      <a:lumMod val="65000"/>
-                      <a:lumOff val="35000"/>
-                    </a:schemeClr>
-                  </a:solidFill>
-                  <a:latin typeface="+mn-lt"/>
-                  <a:ea typeface="+mn-ea"/>
-                  <a:cs typeface="+mn-cs"/>
-                </a:defRPr>
-              </a:pPr>
-              <a:endParaRPr lang="en-US"/>
-            </a:p>
-          </c:txPr>
-        </c:title>
-        <c:numFmt formatCode="General" sourceLinked="1"/>
-        <c:majorTickMark val="none"/>
-        <c:minorTickMark val="none"/>
-        <c:tickLblPos val="nextTo"/>
-        <c:spPr>
-          <a:noFill/>
-          <a:ln>
-            <a:noFill/>
-          </a:ln>
-          <a:effectLst/>
-        </c:spPr>
-        <c:txPr>
-          <a:bodyPr rot="-60000000" spcFirstLastPara="1" vertOverflow="ellipsis" vert="horz" wrap="square" anchor="ctr" anchorCtr="1"/>
-          <a:lstStyle/>
-          <a:p>
-            <a:pPr>
-              <a:defRPr sz="900" b="0" i="0" u="none" strike="noStrike" kern="1200" baseline="0">
-                <a:solidFill>
-                  <a:schemeClr val="tx1">
-                    <a:lumMod val="65000"/>
-                    <a:lumOff val="35000"/>
-                  </a:schemeClr>
-                </a:solidFill>
-                <a:latin typeface="+mn-lt"/>
-                <a:ea typeface="+mn-ea"/>
-                <a:cs typeface="+mn-cs"/>
-              </a:defRPr>
-            </a:pPr>
-            <a:endParaRPr lang="en-US"/>
-          </a:p>
-        </c:txPr>
-        <c:crossAx val="1804293040"/>
-        <c:crosses val="autoZero"/>
-        <c:crossBetween val="between"/>
-      </c:valAx>
-      <c:spPr>
-        <a:noFill/>
-        <a:ln>
-          <a:noFill/>
-        </a:ln>
-        <a:effectLst/>
-      </c:spPr>
-    </c:plotArea>
-    <c:legend>
-      <c:legendPos val="b"/>
-      <c:overlay val="0"/>
-      <c:spPr>
-        <a:noFill/>
-        <a:ln>
-          <a:noFill/>
-        </a:ln>
-        <a:effectLst/>
-      </c:spPr>
-      <c:txPr>
-        <a:bodyPr rot="0" spcFirstLastPara="1" vertOverflow="ellipsis" vert="horz" wrap="square" anchor="ctr" anchorCtr="1"/>
-        <a:lstStyle/>
-        <a:p>
-          <a:pPr>
-            <a:defRPr sz="900" b="0" i="0" u="none" strike="noStrike" kern="1200" baseline="0">
-              <a:solidFill>
-                <a:schemeClr val="tx1">
-                  <a:lumMod val="65000"/>
-                  <a:lumOff val="35000"/>
-                </a:schemeClr>
-              </a:solidFill>
-              <a:latin typeface="+mn-lt"/>
-              <a:ea typeface="+mn-ea"/>
-              <a:cs typeface="+mn-cs"/>
-            </a:defRPr>
-          </a:pPr>
-          <a:endParaRPr lang="en-US"/>
-        </a:p>
-      </c:txPr>
-    </c:legend>
-    <c:plotVisOnly val="1"/>
-    <c:dispBlanksAs val="gap"/>
-    <c:showDLblsOverMax val="0"/>
-  </c:chart>
-  <c:spPr>
-    <a:noFill/>
-    <a:ln>
-      <a:noFill/>
-    </a:ln>
-    <a:effectLst/>
-  </c:spPr>
-  <c:txPr>
-    <a:bodyPr/>
-    <a:lstStyle/>
-    <a:p>
-      <a:pPr>
-        <a:defRPr/>
-      </a:pPr>
-      <a:endParaRPr lang="en-US"/>
-    </a:p>
-  </c:txPr>
-  <c:externalData r:id="rId3">
-    <c:autoUpdate val="0"/>
-  </c:externalData>
-</c:chartSpace>
+<file path=ppt/charts/colors1.xml><?xml version="1.0" encoding="utf-8"?>
+<cs:colorStyle xmlns:cs="http://schemas.microsoft.com/office/drawing/2012/chartStyle" xmlns:a="http://schemas.openxmlformats.org/drawingml/2006/main" meth="cycle" id="10">
+  <a:schemeClr val="accent1"/>
+  <a:schemeClr val="accent2"/>
+  <a:schemeClr val="accent3"/>
+  <a:schemeClr val="accent4"/>
+  <a:schemeClr val="accent5"/>
+  <a:schemeClr val="accent6"/>
+  <cs:variation/>
+  <cs:variation>
+    <a:lumMod val="60000"/>
+  </cs:variation>
+  <cs:variation>
+    <a:lumMod val="80000"/>
+    <a:lumOff val="20000"/>
+  </cs:variation>
+  <cs:variation>
+    <a:lumMod val="80000"/>
+  </cs:variation>
+  <cs:variation>
+    <a:lumMod val="60000"/>
+    <a:lumOff val="40000"/>
+  </cs:variation>
+  <cs:variation>
+    <a:lumMod val="50000"/>
+  </cs:variation>
+  <cs:variation>
+    <a:lumMod val="70000"/>
+    <a:lumOff val="30000"/>
+  </cs:variation>
+  <cs:variation>
+    <a:lumMod val="70000"/>
+  </cs:variation>
+  <cs:variation>
+    <a:lumMod val="50000"/>
+    <a:lumOff val="50000"/>
+  </cs:variation>
+</cs:colorStyle>
 </file>
 
-<file path=ppt/charts/colors1.xml><?xml version="1.0" encoding="utf-8"?>
+<file path=ppt/charts/colors10.xml><?xml version="1.0" encoding="utf-8"?>
 <cs:colorStyle xmlns:cs="http://schemas.microsoft.com/office/drawing/2012/chartStyle" xmlns:a="http://schemas.openxmlformats.org/drawingml/2006/main" meth="cycle" id="10">
   <a:schemeClr val="accent1"/>
   <a:schemeClr val="accent2"/>
@@ -6619,6 +8124,46 @@
 </cs:colorStyle>
 </file>
 
+<file path=ppt/charts/colors9.xml><?xml version="1.0" encoding="utf-8"?>
+<cs:colorStyle xmlns:cs="http://schemas.microsoft.com/office/drawing/2012/chartStyle" xmlns:a="http://schemas.openxmlformats.org/drawingml/2006/main" meth="cycle" id="10">
+  <a:schemeClr val="accent1"/>
+  <a:schemeClr val="accent2"/>
+  <a:schemeClr val="accent3"/>
+  <a:schemeClr val="accent4"/>
+  <a:schemeClr val="accent5"/>
+  <a:schemeClr val="accent6"/>
+  <cs:variation/>
+  <cs:variation>
+    <a:lumMod val="60000"/>
+  </cs:variation>
+  <cs:variation>
+    <a:lumMod val="80000"/>
+    <a:lumOff val="20000"/>
+  </cs:variation>
+  <cs:variation>
+    <a:lumMod val="80000"/>
+  </cs:variation>
+  <cs:variation>
+    <a:lumMod val="60000"/>
+    <a:lumOff val="40000"/>
+  </cs:variation>
+  <cs:variation>
+    <a:lumMod val="50000"/>
+  </cs:variation>
+  <cs:variation>
+    <a:lumMod val="70000"/>
+    <a:lumOff val="30000"/>
+  </cs:variation>
+  <cs:variation>
+    <a:lumMod val="70000"/>
+  </cs:variation>
+  <cs:variation>
+    <a:lumMod val="50000"/>
+    <a:lumOff val="50000"/>
+  </cs:variation>
+</cs:colorStyle>
+</file>
+
 <file path=ppt/charts/style1.xml><?xml version="1.0" encoding="utf-8"?>
 <cs:chartStyle xmlns:cs="http://schemas.microsoft.com/office/drawing/2012/chartStyle" xmlns:a="http://schemas.openxmlformats.org/drawingml/2006/main" id="216">
   <cs:axisTitle>
@@ -7124,7 +8669,7 @@
 </cs:chartStyle>
 </file>
 
-<file path=ppt/charts/style2.xml><?xml version="1.0" encoding="utf-8"?>
+<file path=ppt/charts/style10.xml><?xml version="1.0" encoding="utf-8"?>
 <cs:chartStyle xmlns:cs="http://schemas.microsoft.com/office/drawing/2012/chartStyle" xmlns:a="http://schemas.openxmlformats.org/drawingml/2006/main" id="216">
   <cs:axisTitle>
     <cs:lnRef idx="0"/>
@@ -7629,7 +9174,7 @@
 </cs:chartStyle>
 </file>
 
-<file path=ppt/charts/style3.xml><?xml version="1.0" encoding="utf-8"?>
+<file path=ppt/charts/style2.xml><?xml version="1.0" encoding="utf-8"?>
 <cs:chartStyle xmlns:cs="http://schemas.microsoft.com/office/drawing/2012/chartStyle" xmlns:a="http://schemas.openxmlformats.org/drawingml/2006/main" id="216">
   <cs:axisTitle>
     <cs:lnRef idx="0"/>
@@ -8134,7 +9679,7 @@
 </cs:chartStyle>
 </file>
 
-<file path=ppt/charts/style4.xml><?xml version="1.0" encoding="utf-8"?>
+<file path=ppt/charts/style3.xml><?xml version="1.0" encoding="utf-8"?>
 <cs:chartStyle xmlns:cs="http://schemas.microsoft.com/office/drawing/2012/chartStyle" xmlns:a="http://schemas.openxmlformats.org/drawingml/2006/main" id="216">
   <cs:axisTitle>
     <cs:lnRef idx="0"/>
@@ -8639,7 +10184,7 @@
 </cs:chartStyle>
 </file>
 
-<file path=ppt/charts/style5.xml><?xml version="1.0" encoding="utf-8"?>
+<file path=ppt/charts/style4.xml><?xml version="1.0" encoding="utf-8"?>
 <cs:chartStyle xmlns:cs="http://schemas.microsoft.com/office/drawing/2012/chartStyle" xmlns:a="http://schemas.openxmlformats.org/drawingml/2006/main" id="216">
   <cs:axisTitle>
     <cs:lnRef idx="0"/>
@@ -9144,7 +10689,7 @@
 </cs:chartStyle>
 </file>
 
-<file path=ppt/charts/style6.xml><?xml version="1.0" encoding="utf-8"?>
+<file path=ppt/charts/style5.xml><?xml version="1.0" encoding="utf-8"?>
 <cs:chartStyle xmlns:cs="http://schemas.microsoft.com/office/drawing/2012/chartStyle" xmlns:a="http://schemas.openxmlformats.org/drawingml/2006/main" id="216">
   <cs:axisTitle>
     <cs:lnRef idx="0"/>
@@ -9649,7 +11194,7 @@
 </cs:chartStyle>
 </file>
 
-<file path=ppt/charts/style7.xml><?xml version="1.0" encoding="utf-8"?>
+<file path=ppt/charts/style6.xml><?xml version="1.0" encoding="utf-8"?>
 <cs:chartStyle xmlns:cs="http://schemas.microsoft.com/office/drawing/2012/chartStyle" xmlns:a="http://schemas.openxmlformats.org/drawingml/2006/main" id="216">
   <cs:axisTitle>
     <cs:lnRef idx="0"/>
@@ -10154,7 +11699,1017 @@
 </cs:chartStyle>
 </file>
 
+<file path=ppt/charts/style7.xml><?xml version="1.0" encoding="utf-8"?>
+<cs:chartStyle xmlns:cs="http://schemas.microsoft.com/office/drawing/2012/chartStyle" xmlns:a="http://schemas.openxmlformats.org/drawingml/2006/main" id="216">
+  <cs:axisTitle>
+    <cs:lnRef idx="0"/>
+    <cs:fillRef idx="0"/>
+    <cs:effectRef idx="0"/>
+    <cs:fontRef idx="minor">
+      <a:schemeClr val="tx1">
+        <a:lumMod val="65000"/>
+        <a:lumOff val="35000"/>
+      </a:schemeClr>
+    </cs:fontRef>
+    <cs:defRPr sz="1000" kern="1200"/>
+  </cs:axisTitle>
+  <cs:categoryAxis>
+    <cs:lnRef idx="0"/>
+    <cs:fillRef idx="0"/>
+    <cs:effectRef idx="0"/>
+    <cs:fontRef idx="minor">
+      <a:schemeClr val="tx1">
+        <a:lumMod val="65000"/>
+        <a:lumOff val="35000"/>
+      </a:schemeClr>
+    </cs:fontRef>
+    <cs:spPr>
+      <a:ln w="9525" cap="flat" cmpd="sng" algn="ctr">
+        <a:solidFill>
+          <a:schemeClr val="tx1">
+            <a:lumMod val="15000"/>
+            <a:lumOff val="85000"/>
+          </a:schemeClr>
+        </a:solidFill>
+        <a:round/>
+      </a:ln>
+    </cs:spPr>
+    <cs:defRPr sz="900" kern="1200"/>
+  </cs:categoryAxis>
+  <cs:chartArea mods="allowNoFillOverride allowNoLineOverride">
+    <cs:lnRef idx="0"/>
+    <cs:fillRef idx="0"/>
+    <cs:effectRef idx="0"/>
+    <cs:fontRef idx="minor">
+      <a:schemeClr val="tx1"/>
+    </cs:fontRef>
+    <cs:spPr>
+      <a:solidFill>
+        <a:schemeClr val="bg1"/>
+      </a:solidFill>
+      <a:ln w="9525" cap="flat" cmpd="sng" algn="ctr">
+        <a:solidFill>
+          <a:schemeClr val="tx1">
+            <a:lumMod val="15000"/>
+            <a:lumOff val="85000"/>
+          </a:schemeClr>
+        </a:solidFill>
+        <a:round/>
+      </a:ln>
+    </cs:spPr>
+    <cs:defRPr sz="1000" kern="1200"/>
+  </cs:chartArea>
+  <cs:dataLabel>
+    <cs:lnRef idx="0"/>
+    <cs:fillRef idx="0"/>
+    <cs:effectRef idx="0"/>
+    <cs:fontRef idx="minor">
+      <a:schemeClr val="tx1">
+        <a:lumMod val="75000"/>
+        <a:lumOff val="25000"/>
+      </a:schemeClr>
+    </cs:fontRef>
+    <cs:defRPr sz="900" kern="1200"/>
+  </cs:dataLabel>
+  <cs:dataLabelCallout>
+    <cs:lnRef idx="0"/>
+    <cs:fillRef idx="0"/>
+    <cs:effectRef idx="0"/>
+    <cs:fontRef idx="minor">
+      <a:schemeClr val="dk1">
+        <a:lumMod val="65000"/>
+        <a:lumOff val="35000"/>
+      </a:schemeClr>
+    </cs:fontRef>
+    <cs:spPr>
+      <a:solidFill>
+        <a:schemeClr val="lt1"/>
+      </a:solidFill>
+      <a:ln>
+        <a:solidFill>
+          <a:schemeClr val="dk1">
+            <a:lumMod val="25000"/>
+            <a:lumOff val="75000"/>
+          </a:schemeClr>
+        </a:solidFill>
+      </a:ln>
+    </cs:spPr>
+    <cs:defRPr sz="900" kern="1200"/>
+    <cs:bodyPr rot="0" spcFirstLastPara="1" vertOverflow="clip" horzOverflow="clip" vert="horz" wrap="square" lIns="36576" tIns="18288" rIns="36576" bIns="18288" anchor="ctr" anchorCtr="1">
+      <a:spAutoFit/>
+    </cs:bodyPr>
+  </cs:dataLabelCallout>
+  <cs:dataPoint>
+    <cs:lnRef idx="0"/>
+    <cs:fillRef idx="1">
+      <cs:styleClr val="auto"/>
+    </cs:fillRef>
+    <cs:effectRef idx="0"/>
+    <cs:fontRef idx="minor">
+      <a:schemeClr val="tx1"/>
+    </cs:fontRef>
+  </cs:dataPoint>
+  <cs:dataPoint3D>
+    <cs:lnRef idx="0"/>
+    <cs:fillRef idx="1">
+      <cs:styleClr val="auto"/>
+    </cs:fillRef>
+    <cs:effectRef idx="0"/>
+    <cs:fontRef idx="minor">
+      <a:schemeClr val="tx1"/>
+    </cs:fontRef>
+  </cs:dataPoint3D>
+  <cs:dataPointLine>
+    <cs:lnRef idx="0">
+      <cs:styleClr val="auto"/>
+    </cs:lnRef>
+    <cs:fillRef idx="1"/>
+    <cs:effectRef idx="0"/>
+    <cs:fontRef idx="minor">
+      <a:schemeClr val="tx1"/>
+    </cs:fontRef>
+    <cs:spPr>
+      <a:ln w="28575" cap="rnd">
+        <a:solidFill>
+          <a:schemeClr val="phClr"/>
+        </a:solidFill>
+        <a:round/>
+      </a:ln>
+    </cs:spPr>
+  </cs:dataPointLine>
+  <cs:dataPointMarker>
+    <cs:lnRef idx="0">
+      <cs:styleClr val="auto"/>
+    </cs:lnRef>
+    <cs:fillRef idx="1">
+      <cs:styleClr val="auto"/>
+    </cs:fillRef>
+    <cs:effectRef idx="0"/>
+    <cs:fontRef idx="minor">
+      <a:schemeClr val="tx1"/>
+    </cs:fontRef>
+    <cs:spPr>
+      <a:ln w="9525">
+        <a:solidFill>
+          <a:schemeClr val="phClr"/>
+        </a:solidFill>
+      </a:ln>
+    </cs:spPr>
+  </cs:dataPointMarker>
+  <cs:dataPointMarkerLayout symbol="circle" size="5"/>
+  <cs:dataPointWireframe>
+    <cs:lnRef idx="0">
+      <cs:styleClr val="auto"/>
+    </cs:lnRef>
+    <cs:fillRef idx="1"/>
+    <cs:effectRef idx="0"/>
+    <cs:fontRef idx="minor">
+      <a:schemeClr val="tx1"/>
+    </cs:fontRef>
+    <cs:spPr>
+      <a:ln w="9525" cap="rnd">
+        <a:solidFill>
+          <a:schemeClr val="phClr"/>
+        </a:solidFill>
+        <a:round/>
+      </a:ln>
+    </cs:spPr>
+  </cs:dataPointWireframe>
+  <cs:dataTable>
+    <cs:lnRef idx="0"/>
+    <cs:fillRef idx="0"/>
+    <cs:effectRef idx="0"/>
+    <cs:fontRef idx="minor">
+      <a:schemeClr val="tx1">
+        <a:lumMod val="65000"/>
+        <a:lumOff val="35000"/>
+      </a:schemeClr>
+    </cs:fontRef>
+    <cs:spPr>
+      <a:noFill/>
+      <a:ln w="9525" cap="flat" cmpd="sng" algn="ctr">
+        <a:solidFill>
+          <a:schemeClr val="tx1">
+            <a:lumMod val="15000"/>
+            <a:lumOff val="85000"/>
+          </a:schemeClr>
+        </a:solidFill>
+        <a:round/>
+      </a:ln>
+    </cs:spPr>
+    <cs:defRPr sz="900" kern="1200"/>
+  </cs:dataTable>
+  <cs:downBar>
+    <cs:lnRef idx="0"/>
+    <cs:fillRef idx="0"/>
+    <cs:effectRef idx="0"/>
+    <cs:fontRef idx="minor">
+      <a:schemeClr val="tx1"/>
+    </cs:fontRef>
+    <cs:spPr>
+      <a:solidFill>
+        <a:schemeClr val="dk1">
+          <a:lumMod val="75000"/>
+          <a:lumOff val="25000"/>
+        </a:schemeClr>
+      </a:solidFill>
+      <a:ln w="9525" cap="flat" cmpd="sng" algn="ctr">
+        <a:solidFill>
+          <a:schemeClr val="tx1">
+            <a:lumMod val="65000"/>
+            <a:lumOff val="35000"/>
+          </a:schemeClr>
+        </a:solidFill>
+        <a:round/>
+      </a:ln>
+    </cs:spPr>
+  </cs:downBar>
+  <cs:dropLine>
+    <cs:lnRef idx="0"/>
+    <cs:fillRef idx="0"/>
+    <cs:effectRef idx="0"/>
+    <cs:fontRef idx="minor">
+      <a:schemeClr val="tx1"/>
+    </cs:fontRef>
+    <cs:spPr>
+      <a:ln w="9525" cap="flat" cmpd="sng" algn="ctr">
+        <a:solidFill>
+          <a:schemeClr val="tx1">
+            <a:lumMod val="35000"/>
+            <a:lumOff val="65000"/>
+          </a:schemeClr>
+        </a:solidFill>
+        <a:round/>
+      </a:ln>
+    </cs:spPr>
+  </cs:dropLine>
+  <cs:errorBar>
+    <cs:lnRef idx="0"/>
+    <cs:fillRef idx="0"/>
+    <cs:effectRef idx="0"/>
+    <cs:fontRef idx="minor">
+      <a:schemeClr val="tx1"/>
+    </cs:fontRef>
+    <cs:spPr>
+      <a:ln w="9525" cap="flat" cmpd="sng" algn="ctr">
+        <a:solidFill>
+          <a:schemeClr val="tx1">
+            <a:lumMod val="65000"/>
+            <a:lumOff val="35000"/>
+          </a:schemeClr>
+        </a:solidFill>
+        <a:round/>
+      </a:ln>
+    </cs:spPr>
+  </cs:errorBar>
+  <cs:floor>
+    <cs:lnRef idx="0"/>
+    <cs:fillRef idx="0"/>
+    <cs:effectRef idx="0"/>
+    <cs:fontRef idx="minor">
+      <a:schemeClr val="tx1"/>
+    </cs:fontRef>
+    <cs:spPr>
+      <a:noFill/>
+      <a:ln>
+        <a:noFill/>
+      </a:ln>
+    </cs:spPr>
+  </cs:floor>
+  <cs:gridlineMajor>
+    <cs:lnRef idx="0"/>
+    <cs:fillRef idx="0"/>
+    <cs:effectRef idx="0"/>
+    <cs:fontRef idx="minor">
+      <a:schemeClr val="tx1"/>
+    </cs:fontRef>
+    <cs:spPr>
+      <a:ln w="9525" cap="flat" cmpd="sng" algn="ctr">
+        <a:solidFill>
+          <a:schemeClr val="tx1">
+            <a:lumMod val="15000"/>
+            <a:lumOff val="85000"/>
+          </a:schemeClr>
+        </a:solidFill>
+        <a:round/>
+      </a:ln>
+    </cs:spPr>
+  </cs:gridlineMajor>
+  <cs:gridlineMinor>
+    <cs:lnRef idx="0"/>
+    <cs:fillRef idx="0"/>
+    <cs:effectRef idx="0"/>
+    <cs:fontRef idx="minor">
+      <a:schemeClr val="tx1"/>
+    </cs:fontRef>
+    <cs:spPr>
+      <a:ln w="9525" cap="flat" cmpd="sng" algn="ctr">
+        <a:solidFill>
+          <a:schemeClr val="tx1">
+            <a:lumMod val="5000"/>
+            <a:lumOff val="95000"/>
+          </a:schemeClr>
+        </a:solidFill>
+        <a:round/>
+      </a:ln>
+    </cs:spPr>
+  </cs:gridlineMinor>
+  <cs:hiLoLine>
+    <cs:lnRef idx="0"/>
+    <cs:fillRef idx="0"/>
+    <cs:effectRef idx="0"/>
+    <cs:fontRef idx="minor">
+      <a:schemeClr val="tx1"/>
+    </cs:fontRef>
+    <cs:spPr>
+      <a:ln w="9525" cap="flat" cmpd="sng" algn="ctr">
+        <a:solidFill>
+          <a:schemeClr val="tx1">
+            <a:lumMod val="50000"/>
+            <a:lumOff val="50000"/>
+          </a:schemeClr>
+        </a:solidFill>
+        <a:round/>
+      </a:ln>
+    </cs:spPr>
+  </cs:hiLoLine>
+  <cs:leaderLine>
+    <cs:lnRef idx="0"/>
+    <cs:fillRef idx="0"/>
+    <cs:effectRef idx="0"/>
+    <cs:fontRef idx="minor">
+      <a:schemeClr val="tx1"/>
+    </cs:fontRef>
+    <cs:spPr>
+      <a:ln w="9525" cap="flat" cmpd="sng" algn="ctr">
+        <a:solidFill>
+          <a:schemeClr val="tx1">
+            <a:lumMod val="35000"/>
+            <a:lumOff val="65000"/>
+          </a:schemeClr>
+        </a:solidFill>
+        <a:round/>
+      </a:ln>
+    </cs:spPr>
+  </cs:leaderLine>
+  <cs:legend>
+    <cs:lnRef idx="0"/>
+    <cs:fillRef idx="0"/>
+    <cs:effectRef idx="0"/>
+    <cs:fontRef idx="minor">
+      <a:schemeClr val="tx1">
+        <a:lumMod val="65000"/>
+        <a:lumOff val="35000"/>
+      </a:schemeClr>
+    </cs:fontRef>
+    <cs:defRPr sz="900" kern="1200"/>
+  </cs:legend>
+  <cs:plotArea mods="allowNoFillOverride allowNoLineOverride">
+    <cs:lnRef idx="0"/>
+    <cs:fillRef idx="0"/>
+    <cs:effectRef idx="0"/>
+    <cs:fontRef idx="minor">
+      <a:schemeClr val="tx1"/>
+    </cs:fontRef>
+  </cs:plotArea>
+  <cs:plotArea3D mods="allowNoFillOverride allowNoLineOverride">
+    <cs:lnRef idx="0"/>
+    <cs:fillRef idx="0"/>
+    <cs:effectRef idx="0"/>
+    <cs:fontRef idx="minor">
+      <a:schemeClr val="tx1"/>
+    </cs:fontRef>
+  </cs:plotArea3D>
+  <cs:seriesAxis>
+    <cs:lnRef idx="0"/>
+    <cs:fillRef idx="0"/>
+    <cs:effectRef idx="0"/>
+    <cs:fontRef idx="minor">
+      <a:schemeClr val="tx1">
+        <a:lumMod val="65000"/>
+        <a:lumOff val="35000"/>
+      </a:schemeClr>
+    </cs:fontRef>
+    <cs:defRPr sz="900" kern="1200"/>
+  </cs:seriesAxis>
+  <cs:seriesLine>
+    <cs:lnRef idx="0"/>
+    <cs:fillRef idx="0"/>
+    <cs:effectRef idx="0"/>
+    <cs:fontRef idx="minor">
+      <a:schemeClr val="tx1"/>
+    </cs:fontRef>
+    <cs:spPr>
+      <a:ln w="9525" cap="flat" cmpd="sng" algn="ctr">
+        <a:solidFill>
+          <a:schemeClr val="tx1">
+            <a:lumMod val="35000"/>
+            <a:lumOff val="65000"/>
+          </a:schemeClr>
+        </a:solidFill>
+        <a:round/>
+      </a:ln>
+    </cs:spPr>
+  </cs:seriesLine>
+  <cs:title>
+    <cs:lnRef idx="0"/>
+    <cs:fillRef idx="0"/>
+    <cs:effectRef idx="0"/>
+    <cs:fontRef idx="minor">
+      <a:schemeClr val="tx1">
+        <a:lumMod val="65000"/>
+        <a:lumOff val="35000"/>
+      </a:schemeClr>
+    </cs:fontRef>
+    <cs:defRPr sz="1400" b="0" kern="1200" spc="0" baseline="0"/>
+  </cs:title>
+  <cs:trendline>
+    <cs:lnRef idx="0">
+      <cs:styleClr val="auto"/>
+    </cs:lnRef>
+    <cs:fillRef idx="0"/>
+    <cs:effectRef idx="0"/>
+    <cs:fontRef idx="minor">
+      <a:schemeClr val="tx1"/>
+    </cs:fontRef>
+    <cs:spPr>
+      <a:ln w="19050" cap="rnd">
+        <a:solidFill>
+          <a:schemeClr val="phClr"/>
+        </a:solidFill>
+        <a:prstDash val="sysDot"/>
+      </a:ln>
+    </cs:spPr>
+  </cs:trendline>
+  <cs:trendlineLabel>
+    <cs:lnRef idx="0"/>
+    <cs:fillRef idx="0"/>
+    <cs:effectRef idx="0"/>
+    <cs:fontRef idx="minor">
+      <a:schemeClr val="tx1">
+        <a:lumMod val="65000"/>
+        <a:lumOff val="35000"/>
+      </a:schemeClr>
+    </cs:fontRef>
+    <cs:defRPr sz="900" kern="1200"/>
+  </cs:trendlineLabel>
+  <cs:upBar>
+    <cs:lnRef idx="0"/>
+    <cs:fillRef idx="0"/>
+    <cs:effectRef idx="0"/>
+    <cs:fontRef idx="minor">
+      <a:schemeClr val="tx1"/>
+    </cs:fontRef>
+    <cs:spPr>
+      <a:solidFill>
+        <a:schemeClr val="lt1"/>
+      </a:solidFill>
+      <a:ln w="9525" cap="flat" cmpd="sng" algn="ctr">
+        <a:solidFill>
+          <a:schemeClr val="tx1">
+            <a:lumMod val="65000"/>
+            <a:lumOff val="35000"/>
+          </a:schemeClr>
+        </a:solidFill>
+        <a:round/>
+      </a:ln>
+    </cs:spPr>
+  </cs:upBar>
+  <cs:valueAxis>
+    <cs:lnRef idx="0"/>
+    <cs:fillRef idx="0"/>
+    <cs:effectRef idx="0"/>
+    <cs:fontRef idx="minor">
+      <a:schemeClr val="tx1">
+        <a:lumMod val="65000"/>
+        <a:lumOff val="35000"/>
+      </a:schemeClr>
+    </cs:fontRef>
+    <cs:defRPr sz="900" kern="1200"/>
+  </cs:valueAxis>
+  <cs:wall>
+    <cs:lnRef idx="0"/>
+    <cs:fillRef idx="0"/>
+    <cs:effectRef idx="0"/>
+    <cs:fontRef idx="minor">
+      <a:schemeClr val="tx1"/>
+    </cs:fontRef>
+    <cs:spPr>
+      <a:noFill/>
+      <a:ln>
+        <a:noFill/>
+      </a:ln>
+    </cs:spPr>
+  </cs:wall>
+</cs:chartStyle>
+</file>
+
 <file path=ppt/charts/style8.xml><?xml version="1.0" encoding="utf-8"?>
+<cs:chartStyle xmlns:cs="http://schemas.microsoft.com/office/drawing/2012/chartStyle" xmlns:a="http://schemas.openxmlformats.org/drawingml/2006/main" id="216">
+  <cs:axisTitle>
+    <cs:lnRef idx="0"/>
+    <cs:fillRef idx="0"/>
+    <cs:effectRef idx="0"/>
+    <cs:fontRef idx="minor">
+      <a:schemeClr val="tx1">
+        <a:lumMod val="65000"/>
+        <a:lumOff val="35000"/>
+      </a:schemeClr>
+    </cs:fontRef>
+    <cs:defRPr sz="1000" kern="1200"/>
+  </cs:axisTitle>
+  <cs:categoryAxis>
+    <cs:lnRef idx="0"/>
+    <cs:fillRef idx="0"/>
+    <cs:effectRef idx="0"/>
+    <cs:fontRef idx="minor">
+      <a:schemeClr val="tx1">
+        <a:lumMod val="65000"/>
+        <a:lumOff val="35000"/>
+      </a:schemeClr>
+    </cs:fontRef>
+    <cs:spPr>
+      <a:ln w="9525" cap="flat" cmpd="sng" algn="ctr">
+        <a:solidFill>
+          <a:schemeClr val="tx1">
+            <a:lumMod val="15000"/>
+            <a:lumOff val="85000"/>
+          </a:schemeClr>
+        </a:solidFill>
+        <a:round/>
+      </a:ln>
+    </cs:spPr>
+    <cs:defRPr sz="900" kern="1200"/>
+  </cs:categoryAxis>
+  <cs:chartArea mods="allowNoFillOverride allowNoLineOverride">
+    <cs:lnRef idx="0"/>
+    <cs:fillRef idx="0"/>
+    <cs:effectRef idx="0"/>
+    <cs:fontRef idx="minor">
+      <a:schemeClr val="tx1"/>
+    </cs:fontRef>
+    <cs:spPr>
+      <a:solidFill>
+        <a:schemeClr val="bg1"/>
+      </a:solidFill>
+      <a:ln w="9525" cap="flat" cmpd="sng" algn="ctr">
+        <a:solidFill>
+          <a:schemeClr val="tx1">
+            <a:lumMod val="15000"/>
+            <a:lumOff val="85000"/>
+          </a:schemeClr>
+        </a:solidFill>
+        <a:round/>
+      </a:ln>
+    </cs:spPr>
+    <cs:defRPr sz="1000" kern="1200"/>
+  </cs:chartArea>
+  <cs:dataLabel>
+    <cs:lnRef idx="0"/>
+    <cs:fillRef idx="0"/>
+    <cs:effectRef idx="0"/>
+    <cs:fontRef idx="minor">
+      <a:schemeClr val="tx1">
+        <a:lumMod val="75000"/>
+        <a:lumOff val="25000"/>
+      </a:schemeClr>
+    </cs:fontRef>
+    <cs:defRPr sz="900" kern="1200"/>
+  </cs:dataLabel>
+  <cs:dataLabelCallout>
+    <cs:lnRef idx="0"/>
+    <cs:fillRef idx="0"/>
+    <cs:effectRef idx="0"/>
+    <cs:fontRef idx="minor">
+      <a:schemeClr val="dk1">
+        <a:lumMod val="65000"/>
+        <a:lumOff val="35000"/>
+      </a:schemeClr>
+    </cs:fontRef>
+    <cs:spPr>
+      <a:solidFill>
+        <a:schemeClr val="lt1"/>
+      </a:solidFill>
+      <a:ln>
+        <a:solidFill>
+          <a:schemeClr val="dk1">
+            <a:lumMod val="25000"/>
+            <a:lumOff val="75000"/>
+          </a:schemeClr>
+        </a:solidFill>
+      </a:ln>
+    </cs:spPr>
+    <cs:defRPr sz="900" kern="1200"/>
+    <cs:bodyPr rot="0" spcFirstLastPara="1" vertOverflow="clip" horzOverflow="clip" vert="horz" wrap="square" lIns="36576" tIns="18288" rIns="36576" bIns="18288" anchor="ctr" anchorCtr="1">
+      <a:spAutoFit/>
+    </cs:bodyPr>
+  </cs:dataLabelCallout>
+  <cs:dataPoint>
+    <cs:lnRef idx="0"/>
+    <cs:fillRef idx="1">
+      <cs:styleClr val="auto"/>
+    </cs:fillRef>
+    <cs:effectRef idx="0"/>
+    <cs:fontRef idx="minor">
+      <a:schemeClr val="tx1"/>
+    </cs:fontRef>
+  </cs:dataPoint>
+  <cs:dataPoint3D>
+    <cs:lnRef idx="0"/>
+    <cs:fillRef idx="1">
+      <cs:styleClr val="auto"/>
+    </cs:fillRef>
+    <cs:effectRef idx="0"/>
+    <cs:fontRef idx="minor">
+      <a:schemeClr val="tx1"/>
+    </cs:fontRef>
+  </cs:dataPoint3D>
+  <cs:dataPointLine>
+    <cs:lnRef idx="0">
+      <cs:styleClr val="auto"/>
+    </cs:lnRef>
+    <cs:fillRef idx="1"/>
+    <cs:effectRef idx="0"/>
+    <cs:fontRef idx="minor">
+      <a:schemeClr val="tx1"/>
+    </cs:fontRef>
+    <cs:spPr>
+      <a:ln w="28575" cap="rnd">
+        <a:solidFill>
+          <a:schemeClr val="phClr"/>
+        </a:solidFill>
+        <a:round/>
+      </a:ln>
+    </cs:spPr>
+  </cs:dataPointLine>
+  <cs:dataPointMarker>
+    <cs:lnRef idx="0">
+      <cs:styleClr val="auto"/>
+    </cs:lnRef>
+    <cs:fillRef idx="1">
+      <cs:styleClr val="auto"/>
+    </cs:fillRef>
+    <cs:effectRef idx="0"/>
+    <cs:fontRef idx="minor">
+      <a:schemeClr val="tx1"/>
+    </cs:fontRef>
+    <cs:spPr>
+      <a:ln w="9525">
+        <a:solidFill>
+          <a:schemeClr val="phClr"/>
+        </a:solidFill>
+      </a:ln>
+    </cs:spPr>
+  </cs:dataPointMarker>
+  <cs:dataPointMarkerLayout symbol="circle" size="5"/>
+  <cs:dataPointWireframe>
+    <cs:lnRef idx="0">
+      <cs:styleClr val="auto"/>
+    </cs:lnRef>
+    <cs:fillRef idx="1"/>
+    <cs:effectRef idx="0"/>
+    <cs:fontRef idx="minor">
+      <a:schemeClr val="tx1"/>
+    </cs:fontRef>
+    <cs:spPr>
+      <a:ln w="9525" cap="rnd">
+        <a:solidFill>
+          <a:schemeClr val="phClr"/>
+        </a:solidFill>
+        <a:round/>
+      </a:ln>
+    </cs:spPr>
+  </cs:dataPointWireframe>
+  <cs:dataTable>
+    <cs:lnRef idx="0"/>
+    <cs:fillRef idx="0"/>
+    <cs:effectRef idx="0"/>
+    <cs:fontRef idx="minor">
+      <a:schemeClr val="tx1">
+        <a:lumMod val="65000"/>
+        <a:lumOff val="35000"/>
+      </a:schemeClr>
+    </cs:fontRef>
+    <cs:spPr>
+      <a:noFill/>
+      <a:ln w="9525" cap="flat" cmpd="sng" algn="ctr">
+        <a:solidFill>
+          <a:schemeClr val="tx1">
+            <a:lumMod val="15000"/>
+            <a:lumOff val="85000"/>
+          </a:schemeClr>
+        </a:solidFill>
+        <a:round/>
+      </a:ln>
+    </cs:spPr>
+    <cs:defRPr sz="900" kern="1200"/>
+  </cs:dataTable>
+  <cs:downBar>
+    <cs:lnRef idx="0"/>
+    <cs:fillRef idx="0"/>
+    <cs:effectRef idx="0"/>
+    <cs:fontRef idx="minor">
+      <a:schemeClr val="tx1"/>
+    </cs:fontRef>
+    <cs:spPr>
+      <a:solidFill>
+        <a:schemeClr val="dk1">
+          <a:lumMod val="75000"/>
+          <a:lumOff val="25000"/>
+        </a:schemeClr>
+      </a:solidFill>
+      <a:ln w="9525" cap="flat" cmpd="sng" algn="ctr">
+        <a:solidFill>
+          <a:schemeClr val="tx1">
+            <a:lumMod val="65000"/>
+            <a:lumOff val="35000"/>
+          </a:schemeClr>
+        </a:solidFill>
+        <a:round/>
+      </a:ln>
+    </cs:spPr>
+  </cs:downBar>
+  <cs:dropLine>
+    <cs:lnRef idx="0"/>
+    <cs:fillRef idx="0"/>
+    <cs:effectRef idx="0"/>
+    <cs:fontRef idx="minor">
+      <a:schemeClr val="tx1"/>
+    </cs:fontRef>
+    <cs:spPr>
+      <a:ln w="9525" cap="flat" cmpd="sng" algn="ctr">
+        <a:solidFill>
+          <a:schemeClr val="tx1">
+            <a:lumMod val="35000"/>
+            <a:lumOff val="65000"/>
+          </a:schemeClr>
+        </a:solidFill>
+        <a:round/>
+      </a:ln>
+    </cs:spPr>
+  </cs:dropLine>
+  <cs:errorBar>
+    <cs:lnRef idx="0"/>
+    <cs:fillRef idx="0"/>
+    <cs:effectRef idx="0"/>
+    <cs:fontRef idx="minor">
+      <a:schemeClr val="tx1"/>
+    </cs:fontRef>
+    <cs:spPr>
+      <a:ln w="9525" cap="flat" cmpd="sng" algn="ctr">
+        <a:solidFill>
+          <a:schemeClr val="tx1">
+            <a:lumMod val="65000"/>
+            <a:lumOff val="35000"/>
+          </a:schemeClr>
+        </a:solidFill>
+        <a:round/>
+      </a:ln>
+    </cs:spPr>
+  </cs:errorBar>
+  <cs:floor>
+    <cs:lnRef idx="0"/>
+    <cs:fillRef idx="0"/>
+    <cs:effectRef idx="0"/>
+    <cs:fontRef idx="minor">
+      <a:schemeClr val="tx1"/>
+    </cs:fontRef>
+    <cs:spPr>
+      <a:noFill/>
+      <a:ln>
+        <a:noFill/>
+      </a:ln>
+    </cs:spPr>
+  </cs:floor>
+  <cs:gridlineMajor>
+    <cs:lnRef idx="0"/>
+    <cs:fillRef idx="0"/>
+    <cs:effectRef idx="0"/>
+    <cs:fontRef idx="minor">
+      <a:schemeClr val="tx1"/>
+    </cs:fontRef>
+    <cs:spPr>
+      <a:ln w="9525" cap="flat" cmpd="sng" algn="ctr">
+        <a:solidFill>
+          <a:schemeClr val="tx1">
+            <a:lumMod val="15000"/>
+            <a:lumOff val="85000"/>
+          </a:schemeClr>
+        </a:solidFill>
+        <a:round/>
+      </a:ln>
+    </cs:spPr>
+  </cs:gridlineMajor>
+  <cs:gridlineMinor>
+    <cs:lnRef idx="0"/>
+    <cs:fillRef idx="0"/>
+    <cs:effectRef idx="0"/>
+    <cs:fontRef idx="minor">
+      <a:schemeClr val="tx1"/>
+    </cs:fontRef>
+    <cs:spPr>
+      <a:ln w="9525" cap="flat" cmpd="sng" algn="ctr">
+        <a:solidFill>
+          <a:schemeClr val="tx1">
+            <a:lumMod val="5000"/>
+            <a:lumOff val="95000"/>
+          </a:schemeClr>
+        </a:solidFill>
+        <a:round/>
+      </a:ln>
+    </cs:spPr>
+  </cs:gridlineMinor>
+  <cs:hiLoLine>
+    <cs:lnRef idx="0"/>
+    <cs:fillRef idx="0"/>
+    <cs:effectRef idx="0"/>
+    <cs:fontRef idx="minor">
+      <a:schemeClr val="tx1"/>
+    </cs:fontRef>
+    <cs:spPr>
+      <a:ln w="9525" cap="flat" cmpd="sng" algn="ctr">
+        <a:solidFill>
+          <a:schemeClr val="tx1">
+            <a:lumMod val="50000"/>
+            <a:lumOff val="50000"/>
+          </a:schemeClr>
+        </a:solidFill>
+        <a:round/>
+      </a:ln>
+    </cs:spPr>
+  </cs:hiLoLine>
+  <cs:leaderLine>
+    <cs:lnRef idx="0"/>
+    <cs:fillRef idx="0"/>
+    <cs:effectRef idx="0"/>
+    <cs:fontRef idx="minor">
+      <a:schemeClr val="tx1"/>
+    </cs:fontRef>
+    <cs:spPr>
+      <a:ln w="9525" cap="flat" cmpd="sng" algn="ctr">
+        <a:solidFill>
+          <a:schemeClr val="tx1">
+            <a:lumMod val="35000"/>
+            <a:lumOff val="65000"/>
+          </a:schemeClr>
+        </a:solidFill>
+        <a:round/>
+      </a:ln>
+    </cs:spPr>
+  </cs:leaderLine>
+  <cs:legend>
+    <cs:lnRef idx="0"/>
+    <cs:fillRef idx="0"/>
+    <cs:effectRef idx="0"/>
+    <cs:fontRef idx="minor">
+      <a:schemeClr val="tx1">
+        <a:lumMod val="65000"/>
+        <a:lumOff val="35000"/>
+      </a:schemeClr>
+    </cs:fontRef>
+    <cs:defRPr sz="900" kern="1200"/>
+  </cs:legend>
+  <cs:plotArea mods="allowNoFillOverride allowNoLineOverride">
+    <cs:lnRef idx="0"/>
+    <cs:fillRef idx="0"/>
+    <cs:effectRef idx="0"/>
+    <cs:fontRef idx="minor">
+      <a:schemeClr val="tx1"/>
+    </cs:fontRef>
+  </cs:plotArea>
+  <cs:plotArea3D mods="allowNoFillOverride allowNoLineOverride">
+    <cs:lnRef idx="0"/>
+    <cs:fillRef idx="0"/>
+    <cs:effectRef idx="0"/>
+    <cs:fontRef idx="minor">
+      <a:schemeClr val="tx1"/>
+    </cs:fontRef>
+  </cs:plotArea3D>
+  <cs:seriesAxis>
+    <cs:lnRef idx="0"/>
+    <cs:fillRef idx="0"/>
+    <cs:effectRef idx="0"/>
+    <cs:fontRef idx="minor">
+      <a:schemeClr val="tx1">
+        <a:lumMod val="65000"/>
+        <a:lumOff val="35000"/>
+      </a:schemeClr>
+    </cs:fontRef>
+    <cs:defRPr sz="900" kern="1200"/>
+  </cs:seriesAxis>
+  <cs:seriesLine>
+    <cs:lnRef idx="0"/>
+    <cs:fillRef idx="0"/>
+    <cs:effectRef idx="0"/>
+    <cs:fontRef idx="minor">
+      <a:schemeClr val="tx1"/>
+    </cs:fontRef>
+    <cs:spPr>
+      <a:ln w="9525" cap="flat" cmpd="sng" algn="ctr">
+        <a:solidFill>
+          <a:schemeClr val="tx1">
+            <a:lumMod val="35000"/>
+            <a:lumOff val="65000"/>
+          </a:schemeClr>
+        </a:solidFill>
+        <a:round/>
+      </a:ln>
+    </cs:spPr>
+  </cs:seriesLine>
+  <cs:title>
+    <cs:lnRef idx="0"/>
+    <cs:fillRef idx="0"/>
+    <cs:effectRef idx="0"/>
+    <cs:fontRef idx="minor">
+      <a:schemeClr val="tx1">
+        <a:lumMod val="65000"/>
+        <a:lumOff val="35000"/>
+      </a:schemeClr>
+    </cs:fontRef>
+    <cs:defRPr sz="1400" b="0" kern="1200" spc="0" baseline="0"/>
+  </cs:title>
+  <cs:trendline>
+    <cs:lnRef idx="0">
+      <cs:styleClr val="auto"/>
+    </cs:lnRef>
+    <cs:fillRef idx="0"/>
+    <cs:effectRef idx="0"/>
+    <cs:fontRef idx="minor">
+      <a:schemeClr val="tx1"/>
+    </cs:fontRef>
+    <cs:spPr>
+      <a:ln w="19050" cap="rnd">
+        <a:solidFill>
+          <a:schemeClr val="phClr"/>
+        </a:solidFill>
+        <a:prstDash val="sysDot"/>
+      </a:ln>
+    </cs:spPr>
+  </cs:trendline>
+  <cs:trendlineLabel>
+    <cs:lnRef idx="0"/>
+    <cs:fillRef idx="0"/>
+    <cs:effectRef idx="0"/>
+    <cs:fontRef idx="minor">
+      <a:schemeClr val="tx1">
+        <a:lumMod val="65000"/>
+        <a:lumOff val="35000"/>
+      </a:schemeClr>
+    </cs:fontRef>
+    <cs:defRPr sz="900" kern="1200"/>
+  </cs:trendlineLabel>
+  <cs:upBar>
+    <cs:lnRef idx="0"/>
+    <cs:fillRef idx="0"/>
+    <cs:effectRef idx="0"/>
+    <cs:fontRef idx="minor">
+      <a:schemeClr val="tx1"/>
+    </cs:fontRef>
+    <cs:spPr>
+      <a:solidFill>
+        <a:schemeClr val="lt1"/>
+      </a:solidFill>
+      <a:ln w="9525" cap="flat" cmpd="sng" algn="ctr">
+        <a:solidFill>
+          <a:schemeClr val="tx1">
+            <a:lumMod val="65000"/>
+            <a:lumOff val="35000"/>
+          </a:schemeClr>
+        </a:solidFill>
+        <a:round/>
+      </a:ln>
+    </cs:spPr>
+  </cs:upBar>
+  <cs:valueAxis>
+    <cs:lnRef idx="0"/>
+    <cs:fillRef idx="0"/>
+    <cs:effectRef idx="0"/>
+    <cs:fontRef idx="minor">
+      <a:schemeClr val="tx1">
+        <a:lumMod val="65000"/>
+        <a:lumOff val="35000"/>
+      </a:schemeClr>
+    </cs:fontRef>
+    <cs:defRPr sz="900" kern="1200"/>
+  </cs:valueAxis>
+  <cs:wall>
+    <cs:lnRef idx="0"/>
+    <cs:fillRef idx="0"/>
+    <cs:effectRef idx="0"/>
+    <cs:fontRef idx="minor">
+      <a:schemeClr val="tx1"/>
+    </cs:fontRef>
+    <cs:spPr>
+      <a:noFill/>
+      <a:ln>
+        <a:noFill/>
+      </a:ln>
+    </cs:spPr>
+  </cs:wall>
+</cs:chartStyle>
+</file>
+
+<file path=ppt/charts/style9.xml><?xml version="1.0" encoding="utf-8"?>
 <cs:chartStyle xmlns:cs="http://schemas.microsoft.com/office/drawing/2012/chartStyle" xmlns:a="http://schemas.openxmlformats.org/drawingml/2006/main" id="216">
   <cs:axisTitle>
     <cs:lnRef idx="0"/>
@@ -10768,7 +13323,7 @@
               <a:pPr>
                 <a:defRPr/>
               </a:pPr>
-              <a:t>01-Jun-22</a:t>
+              <a:t>02-Jun-22</a:t>
             </a:fld>
             <a:endParaRPr lang="en-US" altLang="en-US"/>
           </a:p>
@@ -12213,7 +14768,7 @@
                   <a:spcPct val="0"/>
                 </a:spcBef>
               </a:pPr>
-              <a:t>8</a:t>
+              <a:t>10</a:t>
             </a:fld>
             <a:endParaRPr lang="en-US" altLang="en-US"/>
           </a:p>
@@ -12498,7 +15053,7 @@
                   <a:spcPct val="0"/>
                 </a:spcBef>
               </a:pPr>
-              <a:t>13</a:t>
+              <a:t>15</a:t>
             </a:fld>
             <a:endParaRPr lang="en-US" altLang="en-US"/>
           </a:p>
@@ -12706,7 +15261,7 @@
               <a:pPr>
                 <a:defRPr/>
               </a:pPr>
-              <a:t>01-Jun-22</a:t>
+              <a:t>02-Jun-22</a:t>
             </a:fld>
             <a:endParaRPr lang="en-US" altLang="en-US"/>
           </a:p>
@@ -12904,7 +15459,7 @@
               <a:pPr>
                 <a:defRPr/>
               </a:pPr>
-              <a:t>01-Jun-22</a:t>
+              <a:t>02-Jun-22</a:t>
             </a:fld>
             <a:endParaRPr lang="en-US" altLang="en-US"/>
           </a:p>
@@ -13112,7 +15667,7 @@
               <a:pPr>
                 <a:defRPr/>
               </a:pPr>
-              <a:t>01-Jun-22</a:t>
+              <a:t>02-Jun-22</a:t>
             </a:fld>
             <a:endParaRPr lang="en-US" altLang="en-US"/>
           </a:p>
@@ -13314,7 +15869,7 @@
               <a:pPr>
                 <a:defRPr/>
               </a:pPr>
-              <a:t>01-Jun-22</a:t>
+              <a:t>02-Jun-22</a:t>
             </a:fld>
             <a:endParaRPr lang="en-US" altLang="en-US"/>
           </a:p>
@@ -13589,7 +16144,7 @@
               <a:pPr>
                 <a:defRPr/>
               </a:pPr>
-              <a:t>01-Jun-22</a:t>
+              <a:t>02-Jun-22</a:t>
             </a:fld>
             <a:endParaRPr lang="en-US" altLang="en-US"/>
           </a:p>
@@ -13904,7 +16459,7 @@
               <a:pPr>
                 <a:defRPr/>
               </a:pPr>
-              <a:t>01-Jun-22</a:t>
+              <a:t>02-Jun-22</a:t>
             </a:fld>
             <a:endParaRPr lang="en-US" altLang="en-US"/>
           </a:p>
@@ -14353,7 +16908,7 @@
               <a:pPr>
                 <a:defRPr/>
               </a:pPr>
-              <a:t>01-Jun-22</a:t>
+              <a:t>02-Jun-22</a:t>
             </a:fld>
             <a:endParaRPr lang="en-US" altLang="en-US"/>
           </a:p>
@@ -14501,7 +17056,7 @@
               <a:pPr>
                 <a:defRPr/>
               </a:pPr>
-              <a:t>01-Jun-22</a:t>
+              <a:t>02-Jun-22</a:t>
             </a:fld>
             <a:endParaRPr lang="en-US" altLang="en-US"/>
           </a:p>
@@ -14626,7 +17181,7 @@
               <a:pPr>
                 <a:defRPr/>
               </a:pPr>
-              <a:t>01-Jun-22</a:t>
+              <a:t>02-Jun-22</a:t>
             </a:fld>
             <a:endParaRPr lang="en-US" altLang="en-US"/>
           </a:p>
@@ -14931,7 +17486,7 @@
               <a:pPr>
                 <a:defRPr/>
               </a:pPr>
-              <a:t>01-Jun-22</a:t>
+              <a:t>02-Jun-22</a:t>
             </a:fld>
             <a:endParaRPr lang="en-US" altLang="en-US"/>
           </a:p>
@@ -15219,7 +17774,7 @@
               <a:pPr>
                 <a:defRPr/>
               </a:pPr>
-              <a:t>01-Jun-22</a:t>
+              <a:t>02-Jun-22</a:t>
             </a:fld>
             <a:endParaRPr lang="en-US" altLang="en-US"/>
           </a:p>
@@ -15515,7 +18070,7 @@
               <a:pPr>
                 <a:defRPr/>
               </a:pPr>
-              <a:t>01-Jun-22</a:t>
+              <a:t>02-Jun-22</a:t>
             </a:fld>
             <a:endParaRPr lang="en-US" altLang="en-US"/>
           </a:p>
@@ -16570,6 +19125,376 @@
           <a:chExt cx="0" cy="0"/>
         </a:xfrm>
       </p:grpSpPr>
+      <p:sp>
+        <p:nvSpPr>
+          <p:cNvPr id="4" name="Rectangle 3"/>
+          <p:cNvSpPr>
+            <a:spLocks noChangeArrowheads="1"/>
+          </p:cNvSpPr>
+          <p:nvPr/>
+        </p:nvSpPr>
+        <p:spPr bwMode="auto">
+          <a:xfrm>
+            <a:off x="0" y="0"/>
+            <a:ext cx="12192000" cy="6858000"/>
+          </a:xfrm>
+          <a:prstGeom prst="rect">
+            <a:avLst/>
+          </a:prstGeom>
+          <a:solidFill>
+            <a:srgbClr val="FFC627"/>
+          </a:solidFill>
+          <a:ln>
+            <a:noFill/>
+          </a:ln>
+          <a:effectLst>
+            <a:outerShdw blurRad="40000" dist="23000" dir="5400000" rotWithShape="0">
+              <a:srgbClr val="808080">
+                <a:alpha val="34999"/>
+              </a:srgbClr>
+            </a:outerShdw>
+          </a:effectLst>
+        </p:spPr>
+        <p:txBody>
+          <a:bodyPr anchor="ctr"/>
+          <a:lstStyle/>
+          <a:p>
+            <a:pPr algn="ctr" eaLnBrk="1" fontAlgn="auto" hangingPunct="1">
+              <a:spcBef>
+                <a:spcPts val="0"/>
+              </a:spcBef>
+              <a:spcAft>
+                <a:spcPts val="0"/>
+              </a:spcAft>
+              <a:defRPr/>
+            </a:pPr>
+            <a:endParaRPr lang="en-US" dirty="0">
+              <a:solidFill>
+                <a:srgbClr val="FFB310"/>
+              </a:solidFill>
+              <a:latin typeface="Arial" pitchFamily="34" charset="0"/>
+              <a:ea typeface="+mn-ea"/>
+              <a:cs typeface="Arial" pitchFamily="34" charset="0"/>
+            </a:endParaRPr>
+          </a:p>
+        </p:txBody>
+      </p:sp>
+      <p:sp>
+        <p:nvSpPr>
+          <p:cNvPr id="11267" name="Rectangle 3"/>
+          <p:cNvSpPr>
+            <a:spLocks noChangeArrowheads="1"/>
+          </p:cNvSpPr>
+          <p:nvPr/>
+        </p:nvSpPr>
+        <p:spPr bwMode="auto">
+          <a:xfrm>
+            <a:off x="1533525" y="1603375"/>
+            <a:ext cx="8566150" cy="925894"/>
+          </a:xfrm>
+          <a:prstGeom prst="rect">
+            <a:avLst/>
+          </a:prstGeom>
+          <a:noFill/>
+          <a:ln>
+            <a:noFill/>
+          </a:ln>
+          <a:extLst>
+            <a:ext uri="{909E8E84-426E-40DD-AFC4-6F175D3DCCD1}">
+              <a14:hiddenFill xmlns:a14="http://schemas.microsoft.com/office/drawing/2010/main">
+                <a:solidFill>
+                  <a:srgbClr val="FFFFFF"/>
+                </a:solidFill>
+              </a14:hiddenFill>
+            </a:ext>
+            <a:ext uri="{91240B29-F687-4F45-9708-019B960494DF}">
+              <a14:hiddenLine xmlns:a14="http://schemas.microsoft.com/office/drawing/2010/main" w="9525">
+                <a:solidFill>
+                  <a:srgbClr val="000000"/>
+                </a:solidFill>
+                <a:miter lim="800000"/>
+                <a:headEnd/>
+                <a:tailEnd/>
+              </a14:hiddenLine>
+            </a:ext>
+          </a:extLst>
+        </p:spPr>
+        <p:txBody>
+          <a:bodyPr>
+            <a:spAutoFit/>
+          </a:bodyPr>
+          <a:lstStyle>
+            <a:lvl1pPr>
+              <a:spcBef>
+                <a:spcPct val="20000"/>
+              </a:spcBef>
+              <a:buFont typeface="Arial" panose="020B0604020202020204" pitchFamily="34" charset="0"/>
+              <a:buChar char="•"/>
+              <a:defRPr sz="3200">
+                <a:solidFill>
+                  <a:schemeClr val="tx1"/>
+                </a:solidFill>
+                <a:latin typeface="Arial" panose="020B0604020202020204" pitchFamily="34" charset="0"/>
+                <a:ea typeface="ＭＳ Ｐゴシック" panose="020B0600070205080204" pitchFamily="34" charset="-128"/>
+                <a:cs typeface="Arial" panose="020B0604020202020204" pitchFamily="34" charset="0"/>
+              </a:defRPr>
+            </a:lvl1pPr>
+            <a:lvl2pPr marL="742950" indent="-285750">
+              <a:spcBef>
+                <a:spcPct val="20000"/>
+              </a:spcBef>
+              <a:buFont typeface="Arial" panose="020B0604020202020204" pitchFamily="34" charset="0"/>
+              <a:buChar char="–"/>
+              <a:defRPr sz="2800">
+                <a:solidFill>
+                  <a:schemeClr val="tx1"/>
+                </a:solidFill>
+                <a:latin typeface="Arial" panose="020B0604020202020204" pitchFamily="34" charset="0"/>
+                <a:ea typeface="ＭＳ Ｐゴシック" panose="020B0600070205080204" pitchFamily="34" charset="-128"/>
+                <a:cs typeface="Arial" panose="020B0604020202020204" pitchFamily="34" charset="0"/>
+              </a:defRPr>
+            </a:lvl2pPr>
+            <a:lvl3pPr marL="1143000" indent="-228600">
+              <a:spcBef>
+                <a:spcPct val="20000"/>
+              </a:spcBef>
+              <a:buFont typeface="Arial" panose="020B0604020202020204" pitchFamily="34" charset="0"/>
+              <a:buChar char="•"/>
+              <a:defRPr sz="2400">
+                <a:solidFill>
+                  <a:schemeClr val="tx1"/>
+                </a:solidFill>
+                <a:latin typeface="Arial" panose="020B0604020202020204" pitchFamily="34" charset="0"/>
+                <a:ea typeface="ＭＳ Ｐゴシック" panose="020B0600070205080204" pitchFamily="34" charset="-128"/>
+                <a:cs typeface="Arial" panose="020B0604020202020204" pitchFamily="34" charset="0"/>
+              </a:defRPr>
+            </a:lvl3pPr>
+            <a:lvl4pPr marL="1600200" indent="-228600">
+              <a:spcBef>
+                <a:spcPct val="20000"/>
+              </a:spcBef>
+              <a:buFont typeface="Arial" panose="020B0604020202020204" pitchFamily="34" charset="0"/>
+              <a:buChar char="–"/>
+              <a:defRPr sz="2000">
+                <a:solidFill>
+                  <a:schemeClr val="tx1"/>
+                </a:solidFill>
+                <a:latin typeface="Arial" panose="020B0604020202020204" pitchFamily="34" charset="0"/>
+                <a:ea typeface="ＭＳ Ｐゴシック" panose="020B0600070205080204" pitchFamily="34" charset="-128"/>
+                <a:cs typeface="Arial" panose="020B0604020202020204" pitchFamily="34" charset="0"/>
+              </a:defRPr>
+            </a:lvl4pPr>
+            <a:lvl5pPr marL="2057400" indent="-228600">
+              <a:spcBef>
+                <a:spcPct val="20000"/>
+              </a:spcBef>
+              <a:buFont typeface="Arial" panose="020B0604020202020204" pitchFamily="34" charset="0"/>
+              <a:buChar char="»"/>
+              <a:defRPr sz="2000">
+                <a:solidFill>
+                  <a:schemeClr val="tx1"/>
+                </a:solidFill>
+                <a:latin typeface="Arial" panose="020B0604020202020204" pitchFamily="34" charset="0"/>
+                <a:ea typeface="ＭＳ Ｐゴシック" panose="020B0600070205080204" pitchFamily="34" charset="-128"/>
+                <a:cs typeface="Arial" panose="020B0604020202020204" pitchFamily="34" charset="0"/>
+              </a:defRPr>
+            </a:lvl5pPr>
+            <a:lvl6pPr marL="2514600" indent="-228600" defTabSz="457200" fontAlgn="base">
+              <a:spcBef>
+                <a:spcPct val="20000"/>
+              </a:spcBef>
+              <a:spcAft>
+                <a:spcPct val="0"/>
+              </a:spcAft>
+              <a:buFont typeface="Arial" panose="020B0604020202020204" pitchFamily="34" charset="0"/>
+              <a:buChar char="»"/>
+              <a:defRPr sz="2000">
+                <a:solidFill>
+                  <a:schemeClr val="tx1"/>
+                </a:solidFill>
+                <a:latin typeface="Arial" panose="020B0604020202020204" pitchFamily="34" charset="0"/>
+                <a:ea typeface="ＭＳ Ｐゴシック" panose="020B0600070205080204" pitchFamily="34" charset="-128"/>
+                <a:cs typeface="Arial" panose="020B0604020202020204" pitchFamily="34" charset="0"/>
+              </a:defRPr>
+            </a:lvl6pPr>
+            <a:lvl7pPr marL="2971800" indent="-228600" defTabSz="457200" fontAlgn="base">
+              <a:spcBef>
+                <a:spcPct val="20000"/>
+              </a:spcBef>
+              <a:spcAft>
+                <a:spcPct val="0"/>
+              </a:spcAft>
+              <a:buFont typeface="Arial" panose="020B0604020202020204" pitchFamily="34" charset="0"/>
+              <a:buChar char="»"/>
+              <a:defRPr sz="2000">
+                <a:solidFill>
+                  <a:schemeClr val="tx1"/>
+                </a:solidFill>
+                <a:latin typeface="Arial" panose="020B0604020202020204" pitchFamily="34" charset="0"/>
+                <a:ea typeface="ＭＳ Ｐゴシック" panose="020B0600070205080204" pitchFamily="34" charset="-128"/>
+                <a:cs typeface="Arial" panose="020B0604020202020204" pitchFamily="34" charset="0"/>
+              </a:defRPr>
+            </a:lvl7pPr>
+            <a:lvl8pPr marL="3429000" indent="-228600" defTabSz="457200" fontAlgn="base">
+              <a:spcBef>
+                <a:spcPct val="20000"/>
+              </a:spcBef>
+              <a:spcAft>
+                <a:spcPct val="0"/>
+              </a:spcAft>
+              <a:buFont typeface="Arial" panose="020B0604020202020204" pitchFamily="34" charset="0"/>
+              <a:buChar char="»"/>
+              <a:defRPr sz="2000">
+                <a:solidFill>
+                  <a:schemeClr val="tx1"/>
+                </a:solidFill>
+                <a:latin typeface="Arial" panose="020B0604020202020204" pitchFamily="34" charset="0"/>
+                <a:ea typeface="ＭＳ Ｐゴシック" panose="020B0600070205080204" pitchFamily="34" charset="-128"/>
+                <a:cs typeface="Arial" panose="020B0604020202020204" pitchFamily="34" charset="0"/>
+              </a:defRPr>
+            </a:lvl8pPr>
+            <a:lvl9pPr marL="3886200" indent="-228600" defTabSz="457200" fontAlgn="base">
+              <a:spcBef>
+                <a:spcPct val="20000"/>
+              </a:spcBef>
+              <a:spcAft>
+                <a:spcPct val="0"/>
+              </a:spcAft>
+              <a:buFont typeface="Arial" panose="020B0604020202020204" pitchFamily="34" charset="0"/>
+              <a:buChar char="»"/>
+              <a:defRPr sz="2000">
+                <a:solidFill>
+                  <a:schemeClr val="tx1"/>
+                </a:solidFill>
+                <a:latin typeface="Arial" panose="020B0604020202020204" pitchFamily="34" charset="0"/>
+                <a:ea typeface="ＭＳ Ｐゴシック" panose="020B0600070205080204" pitchFamily="34" charset="-128"/>
+                <a:cs typeface="Arial" panose="020B0604020202020204" pitchFamily="34" charset="0"/>
+              </a:defRPr>
+            </a:lvl9pPr>
+          </a:lstStyle>
+          <a:p>
+            <a:pPr eaLnBrk="1" hangingPunct="1">
+              <a:lnSpc>
+                <a:spcPts val="6500"/>
+              </a:lnSpc>
+              <a:spcBef>
+                <a:spcPct val="0"/>
+              </a:spcBef>
+              <a:buFont typeface="Arial" panose="020B0604020202020204" pitchFamily="34" charset="0"/>
+              <a:buNone/>
+            </a:pPr>
+            <a:r>
+              <a:rPr lang="en-US" altLang="en-US" sz="6500" b="1" dirty="0" err="1">
+                <a:solidFill>
+                  <a:srgbClr val="8C1D40"/>
+                </a:solidFill>
+              </a:rPr>
+              <a:t>XGBoost</a:t>
+            </a:r>
+            <a:endParaRPr lang="en-US" altLang="en-US" sz="6500" b="1" dirty="0">
+              <a:solidFill>
+                <a:srgbClr val="8C1D40"/>
+              </a:solidFill>
+            </a:endParaRPr>
+          </a:p>
+        </p:txBody>
+      </p:sp>
+    </p:spTree>
+    <p:extLst>
+      <p:ext uri="{BB962C8B-B14F-4D97-AF65-F5344CB8AC3E}">
+        <p14:creationId xmlns:p14="http://schemas.microsoft.com/office/powerpoint/2010/main" val="1515998109"/>
+      </p:ext>
+    </p:extLst>
+  </p:cSld>
+  <p:clrMapOvr>
+    <a:masterClrMapping/>
+  </p:clrMapOvr>
+  <p:transition>
+    <p:push/>
+  </p:transition>
+</p:sld>
+</file>
+
+<file path=ppt/slides/slide11.xml><?xml version="1.0" encoding="utf-8"?>
+<p:sld xmlns:a="http://schemas.openxmlformats.org/drawingml/2006/main" xmlns:r="http://schemas.openxmlformats.org/officeDocument/2006/relationships" xmlns:p="http://schemas.openxmlformats.org/presentationml/2006/main">
+  <p:cSld>
+    <p:spTree>
+      <p:nvGrpSpPr>
+        <p:cNvPr id="1" name=""/>
+        <p:cNvGrpSpPr/>
+        <p:nvPr/>
+      </p:nvGrpSpPr>
+      <p:grpSpPr>
+        <a:xfrm>
+          <a:off x="0" y="0"/>
+          <a:ext cx="0" cy="0"/>
+          <a:chOff x="0" y="0"/>
+          <a:chExt cx="0" cy="0"/>
+        </a:xfrm>
+      </p:grpSpPr>
+      <p:graphicFrame>
+        <p:nvGraphicFramePr>
+          <p:cNvPr id="3" name="Chart 2">
+            <a:extLst>
+              <a:ext uri="{FF2B5EF4-FFF2-40B4-BE49-F238E27FC236}">
+                <a16:creationId xmlns:a16="http://schemas.microsoft.com/office/drawing/2014/main" id="{F9725959-4D21-10E6-5B49-2C479856BFDF}"/>
+              </a:ext>
+            </a:extLst>
+          </p:cNvPr>
+          <p:cNvGraphicFramePr>
+            <a:graphicFrameLocks/>
+          </p:cNvGraphicFramePr>
+          <p:nvPr>
+            <p:extLst>
+              <p:ext uri="{D42A27DB-BD31-4B8C-83A1-F6EECF244321}">
+                <p14:modId xmlns:p14="http://schemas.microsoft.com/office/powerpoint/2010/main" val="2418883924"/>
+              </p:ext>
+            </p:extLst>
+          </p:nvPr>
+        </p:nvGraphicFramePr>
+        <p:xfrm>
+          <a:off x="0" y="0"/>
+          <a:ext cx="12192000" cy="6858000"/>
+        </p:xfrm>
+        <a:graphic>
+          <a:graphicData uri="http://schemas.openxmlformats.org/drawingml/2006/chart">
+            <c:chart xmlns:c="http://schemas.openxmlformats.org/drawingml/2006/chart" xmlns:r="http://schemas.openxmlformats.org/officeDocument/2006/relationships" r:id="rId2"/>
+          </a:graphicData>
+        </a:graphic>
+      </p:graphicFrame>
+    </p:spTree>
+    <p:extLst>
+      <p:ext uri="{BB962C8B-B14F-4D97-AF65-F5344CB8AC3E}">
+        <p14:creationId xmlns:p14="http://schemas.microsoft.com/office/powerpoint/2010/main" val="3137014963"/>
+      </p:ext>
+    </p:extLst>
+  </p:cSld>
+  <p:clrMapOvr>
+    <a:masterClrMapping/>
+  </p:clrMapOvr>
+  <p:transition>
+    <p:push/>
+  </p:transition>
+</p:sld>
+</file>
+
+<file path=ppt/slides/slide12.xml><?xml version="1.0" encoding="utf-8"?>
+<p:sld xmlns:a="http://schemas.openxmlformats.org/drawingml/2006/main" xmlns:r="http://schemas.openxmlformats.org/officeDocument/2006/relationships" xmlns:p="http://schemas.openxmlformats.org/presentationml/2006/main">
+  <p:cSld>
+    <p:spTree>
+      <p:nvGrpSpPr>
+        <p:cNvPr id="1" name=""/>
+        <p:cNvGrpSpPr/>
+        <p:nvPr/>
+      </p:nvGrpSpPr>
+      <p:grpSpPr>
+        <a:xfrm>
+          <a:off x="0" y="0"/>
+          <a:ext cx="0" cy="0"/>
+          <a:chOff x="0" y="0"/>
+          <a:chExt cx="0" cy="0"/>
+        </a:xfrm>
+      </p:grpSpPr>
       <p:graphicFrame>
         <p:nvGraphicFramePr>
           <p:cNvPr id="2" name="Chart 1">
@@ -16616,7 +19541,7 @@
 </p:sld>
 </file>
 
-<file path=ppt/slides/slide11.xml><?xml version="1.0" encoding="utf-8"?>
+<file path=ppt/slides/slide13.xml><?xml version="1.0" encoding="utf-8"?>
 <p:sld xmlns:a="http://schemas.openxmlformats.org/drawingml/2006/main" xmlns:r="http://schemas.openxmlformats.org/officeDocument/2006/relationships" xmlns:p="http://schemas.openxmlformats.org/presentationml/2006/main">
   <p:cSld>
     <p:spTree>
@@ -16679,7 +19604,7 @@
 </p:sld>
 </file>
 
-<file path=ppt/slides/slide12.xml><?xml version="1.0" encoding="utf-8"?>
+<file path=ppt/slides/slide14.xml><?xml version="1.0" encoding="utf-8"?>
 <p:sld xmlns:a="http://schemas.openxmlformats.org/drawingml/2006/main" xmlns:r="http://schemas.openxmlformats.org/officeDocument/2006/relationships" xmlns:p="http://schemas.openxmlformats.org/presentationml/2006/main">
   <p:cSld>
     <p:spTree>
@@ -16742,7 +19667,7 @@
 </p:sld>
 </file>
 
-<file path=ppt/slides/slide13.xml><?xml version="1.0" encoding="utf-8"?>
+<file path=ppt/slides/slide15.xml><?xml version="1.0" encoding="utf-8"?>
 <p:sld xmlns:a="http://schemas.openxmlformats.org/drawingml/2006/main" xmlns:r="http://schemas.openxmlformats.org/officeDocument/2006/relationships" xmlns:p="http://schemas.openxmlformats.org/presentationml/2006/main">
   <p:cSld>
     <p:spTree>
@@ -18160,6 +21085,69 @@
           <p:cNvPr id="3" name="Chart 2">
             <a:extLst>
               <a:ext uri="{FF2B5EF4-FFF2-40B4-BE49-F238E27FC236}">
+                <a16:creationId xmlns:a16="http://schemas.microsoft.com/office/drawing/2014/main" id="{F0C0934F-23E7-0CD2-6FAF-C82240023EE4}"/>
+              </a:ext>
+            </a:extLst>
+          </p:cNvPr>
+          <p:cNvGraphicFramePr>
+            <a:graphicFrameLocks/>
+          </p:cNvGraphicFramePr>
+          <p:nvPr>
+            <p:extLst>
+              <p:ext uri="{D42A27DB-BD31-4B8C-83A1-F6EECF244321}">
+                <p14:modId xmlns:p14="http://schemas.microsoft.com/office/powerpoint/2010/main" val="1029397152"/>
+              </p:ext>
+            </p:extLst>
+          </p:nvPr>
+        </p:nvGraphicFramePr>
+        <p:xfrm>
+          <a:off x="0" y="0"/>
+          <a:ext cx="12192000" cy="6858000"/>
+        </p:xfrm>
+        <a:graphic>
+          <a:graphicData uri="http://schemas.openxmlformats.org/drawingml/2006/chart">
+            <c:chart xmlns:c="http://schemas.openxmlformats.org/drawingml/2006/chart" xmlns:r="http://schemas.openxmlformats.org/officeDocument/2006/relationships" r:id="rId2"/>
+          </a:graphicData>
+        </a:graphic>
+      </p:graphicFrame>
+    </p:spTree>
+    <p:extLst>
+      <p:ext uri="{BB962C8B-B14F-4D97-AF65-F5344CB8AC3E}">
+        <p14:creationId xmlns:p14="http://schemas.microsoft.com/office/powerpoint/2010/main" val="1370913871"/>
+      </p:ext>
+    </p:extLst>
+  </p:cSld>
+  <p:clrMapOvr>
+    <a:masterClrMapping/>
+  </p:clrMapOvr>
+  <p:transition>
+    <p:push/>
+  </p:transition>
+</p:sld>
+</file>
+
+<file path=ppt/slides/slide7.xml><?xml version="1.0" encoding="utf-8"?>
+<p:sld xmlns:a="http://schemas.openxmlformats.org/drawingml/2006/main" xmlns:r="http://schemas.openxmlformats.org/officeDocument/2006/relationships" xmlns:p="http://schemas.openxmlformats.org/presentationml/2006/main">
+  <p:cSld>
+    <p:spTree>
+      <p:nvGrpSpPr>
+        <p:cNvPr id="1" name=""/>
+        <p:cNvGrpSpPr/>
+        <p:nvPr/>
+      </p:nvGrpSpPr>
+      <p:grpSpPr>
+        <a:xfrm>
+          <a:off x="0" y="0"/>
+          <a:ext cx="0" cy="0"/>
+          <a:chOff x="0" y="0"/>
+          <a:chExt cx="0" cy="0"/>
+        </a:xfrm>
+      </p:grpSpPr>
+      <p:graphicFrame>
+        <p:nvGraphicFramePr>
+          <p:cNvPr id="3" name="Chart 2">
+            <a:extLst>
+              <a:ext uri="{FF2B5EF4-FFF2-40B4-BE49-F238E27FC236}">
                 <a16:creationId xmlns:a16="http://schemas.microsoft.com/office/drawing/2014/main" id="{F478ECC0-6AF9-9280-C125-930AB62D6362}"/>
               </a:ext>
             </a:extLst>
@@ -18201,7 +21189,7 @@
 </p:sld>
 </file>
 
-<file path=ppt/slides/slide7.xml><?xml version="1.0" encoding="utf-8"?>
+<file path=ppt/slides/slide8.xml><?xml version="1.0" encoding="utf-8"?>
 <p:sld xmlns:a="http://schemas.openxmlformats.org/drawingml/2006/main" xmlns:r="http://schemas.openxmlformats.org/officeDocument/2006/relationships" xmlns:p="http://schemas.openxmlformats.org/presentationml/2006/main">
   <p:cSld>
     <p:spTree>
@@ -18264,313 +21252,6 @@
 </p:sld>
 </file>
 
-<file path=ppt/slides/slide8.xml><?xml version="1.0" encoding="utf-8"?>
-<p:sld xmlns:a="http://schemas.openxmlformats.org/drawingml/2006/main" xmlns:r="http://schemas.openxmlformats.org/officeDocument/2006/relationships" xmlns:p="http://schemas.openxmlformats.org/presentationml/2006/main">
-  <p:cSld>
-    <p:spTree>
-      <p:nvGrpSpPr>
-        <p:cNvPr id="1" name=""/>
-        <p:cNvGrpSpPr/>
-        <p:nvPr/>
-      </p:nvGrpSpPr>
-      <p:grpSpPr>
-        <a:xfrm>
-          <a:off x="0" y="0"/>
-          <a:ext cx="0" cy="0"/>
-          <a:chOff x="0" y="0"/>
-          <a:chExt cx="0" cy="0"/>
-        </a:xfrm>
-      </p:grpSpPr>
-      <p:sp>
-        <p:nvSpPr>
-          <p:cNvPr id="4" name="Rectangle 3"/>
-          <p:cNvSpPr>
-            <a:spLocks noChangeArrowheads="1"/>
-          </p:cNvSpPr>
-          <p:nvPr/>
-        </p:nvSpPr>
-        <p:spPr bwMode="auto">
-          <a:xfrm>
-            <a:off x="0" y="0"/>
-            <a:ext cx="12192000" cy="6858000"/>
-          </a:xfrm>
-          <a:prstGeom prst="rect">
-            <a:avLst/>
-          </a:prstGeom>
-          <a:solidFill>
-            <a:srgbClr val="FFC627"/>
-          </a:solidFill>
-          <a:ln>
-            <a:noFill/>
-          </a:ln>
-          <a:effectLst>
-            <a:outerShdw blurRad="40000" dist="23000" dir="5400000" rotWithShape="0">
-              <a:srgbClr val="808080">
-                <a:alpha val="34999"/>
-              </a:srgbClr>
-            </a:outerShdw>
-          </a:effectLst>
-        </p:spPr>
-        <p:txBody>
-          <a:bodyPr anchor="ctr"/>
-          <a:lstStyle/>
-          <a:p>
-            <a:pPr algn="ctr" eaLnBrk="1" fontAlgn="auto" hangingPunct="1">
-              <a:spcBef>
-                <a:spcPts val="0"/>
-              </a:spcBef>
-              <a:spcAft>
-                <a:spcPts val="0"/>
-              </a:spcAft>
-              <a:defRPr/>
-            </a:pPr>
-            <a:endParaRPr lang="en-US" dirty="0">
-              <a:solidFill>
-                <a:srgbClr val="FFB310"/>
-              </a:solidFill>
-              <a:latin typeface="Arial" pitchFamily="34" charset="0"/>
-              <a:ea typeface="+mn-ea"/>
-              <a:cs typeface="Arial" pitchFamily="34" charset="0"/>
-            </a:endParaRPr>
-          </a:p>
-        </p:txBody>
-      </p:sp>
-      <p:sp>
-        <p:nvSpPr>
-          <p:cNvPr id="11267" name="Rectangle 3"/>
-          <p:cNvSpPr>
-            <a:spLocks noChangeArrowheads="1"/>
-          </p:cNvSpPr>
-          <p:nvPr/>
-        </p:nvSpPr>
-        <p:spPr bwMode="auto">
-          <a:xfrm>
-            <a:off x="1533525" y="1603375"/>
-            <a:ext cx="8566150" cy="925894"/>
-          </a:xfrm>
-          <a:prstGeom prst="rect">
-            <a:avLst/>
-          </a:prstGeom>
-          <a:noFill/>
-          <a:ln>
-            <a:noFill/>
-          </a:ln>
-          <a:extLst>
-            <a:ext uri="{909E8E84-426E-40DD-AFC4-6F175D3DCCD1}">
-              <a14:hiddenFill xmlns:a14="http://schemas.microsoft.com/office/drawing/2010/main">
-                <a:solidFill>
-                  <a:srgbClr val="FFFFFF"/>
-                </a:solidFill>
-              </a14:hiddenFill>
-            </a:ext>
-            <a:ext uri="{91240B29-F687-4F45-9708-019B960494DF}">
-              <a14:hiddenLine xmlns:a14="http://schemas.microsoft.com/office/drawing/2010/main" w="9525">
-                <a:solidFill>
-                  <a:srgbClr val="000000"/>
-                </a:solidFill>
-                <a:miter lim="800000"/>
-                <a:headEnd/>
-                <a:tailEnd/>
-              </a14:hiddenLine>
-            </a:ext>
-          </a:extLst>
-        </p:spPr>
-        <p:txBody>
-          <a:bodyPr>
-            <a:spAutoFit/>
-          </a:bodyPr>
-          <a:lstStyle>
-            <a:lvl1pPr>
-              <a:spcBef>
-                <a:spcPct val="20000"/>
-              </a:spcBef>
-              <a:buFont typeface="Arial" panose="020B0604020202020204" pitchFamily="34" charset="0"/>
-              <a:buChar char="•"/>
-              <a:defRPr sz="3200">
-                <a:solidFill>
-                  <a:schemeClr val="tx1"/>
-                </a:solidFill>
-                <a:latin typeface="Arial" panose="020B0604020202020204" pitchFamily="34" charset="0"/>
-                <a:ea typeface="ＭＳ Ｐゴシック" panose="020B0600070205080204" pitchFamily="34" charset="-128"/>
-                <a:cs typeface="Arial" panose="020B0604020202020204" pitchFamily="34" charset="0"/>
-              </a:defRPr>
-            </a:lvl1pPr>
-            <a:lvl2pPr marL="742950" indent="-285750">
-              <a:spcBef>
-                <a:spcPct val="20000"/>
-              </a:spcBef>
-              <a:buFont typeface="Arial" panose="020B0604020202020204" pitchFamily="34" charset="0"/>
-              <a:buChar char="–"/>
-              <a:defRPr sz="2800">
-                <a:solidFill>
-                  <a:schemeClr val="tx1"/>
-                </a:solidFill>
-                <a:latin typeface="Arial" panose="020B0604020202020204" pitchFamily="34" charset="0"/>
-                <a:ea typeface="ＭＳ Ｐゴシック" panose="020B0600070205080204" pitchFamily="34" charset="-128"/>
-                <a:cs typeface="Arial" panose="020B0604020202020204" pitchFamily="34" charset="0"/>
-              </a:defRPr>
-            </a:lvl2pPr>
-            <a:lvl3pPr marL="1143000" indent="-228600">
-              <a:spcBef>
-                <a:spcPct val="20000"/>
-              </a:spcBef>
-              <a:buFont typeface="Arial" panose="020B0604020202020204" pitchFamily="34" charset="0"/>
-              <a:buChar char="•"/>
-              <a:defRPr sz="2400">
-                <a:solidFill>
-                  <a:schemeClr val="tx1"/>
-                </a:solidFill>
-                <a:latin typeface="Arial" panose="020B0604020202020204" pitchFamily="34" charset="0"/>
-                <a:ea typeface="ＭＳ Ｐゴシック" panose="020B0600070205080204" pitchFamily="34" charset="-128"/>
-                <a:cs typeface="Arial" panose="020B0604020202020204" pitchFamily="34" charset="0"/>
-              </a:defRPr>
-            </a:lvl3pPr>
-            <a:lvl4pPr marL="1600200" indent="-228600">
-              <a:spcBef>
-                <a:spcPct val="20000"/>
-              </a:spcBef>
-              <a:buFont typeface="Arial" panose="020B0604020202020204" pitchFamily="34" charset="0"/>
-              <a:buChar char="–"/>
-              <a:defRPr sz="2000">
-                <a:solidFill>
-                  <a:schemeClr val="tx1"/>
-                </a:solidFill>
-                <a:latin typeface="Arial" panose="020B0604020202020204" pitchFamily="34" charset="0"/>
-                <a:ea typeface="ＭＳ Ｐゴシック" panose="020B0600070205080204" pitchFamily="34" charset="-128"/>
-                <a:cs typeface="Arial" panose="020B0604020202020204" pitchFamily="34" charset="0"/>
-              </a:defRPr>
-            </a:lvl4pPr>
-            <a:lvl5pPr marL="2057400" indent="-228600">
-              <a:spcBef>
-                <a:spcPct val="20000"/>
-              </a:spcBef>
-              <a:buFont typeface="Arial" panose="020B0604020202020204" pitchFamily="34" charset="0"/>
-              <a:buChar char="»"/>
-              <a:defRPr sz="2000">
-                <a:solidFill>
-                  <a:schemeClr val="tx1"/>
-                </a:solidFill>
-                <a:latin typeface="Arial" panose="020B0604020202020204" pitchFamily="34" charset="0"/>
-                <a:ea typeface="ＭＳ Ｐゴシック" panose="020B0600070205080204" pitchFamily="34" charset="-128"/>
-                <a:cs typeface="Arial" panose="020B0604020202020204" pitchFamily="34" charset="0"/>
-              </a:defRPr>
-            </a:lvl5pPr>
-            <a:lvl6pPr marL="2514600" indent="-228600" defTabSz="457200" fontAlgn="base">
-              <a:spcBef>
-                <a:spcPct val="20000"/>
-              </a:spcBef>
-              <a:spcAft>
-                <a:spcPct val="0"/>
-              </a:spcAft>
-              <a:buFont typeface="Arial" panose="020B0604020202020204" pitchFamily="34" charset="0"/>
-              <a:buChar char="»"/>
-              <a:defRPr sz="2000">
-                <a:solidFill>
-                  <a:schemeClr val="tx1"/>
-                </a:solidFill>
-                <a:latin typeface="Arial" panose="020B0604020202020204" pitchFamily="34" charset="0"/>
-                <a:ea typeface="ＭＳ Ｐゴシック" panose="020B0600070205080204" pitchFamily="34" charset="-128"/>
-                <a:cs typeface="Arial" panose="020B0604020202020204" pitchFamily="34" charset="0"/>
-              </a:defRPr>
-            </a:lvl6pPr>
-            <a:lvl7pPr marL="2971800" indent="-228600" defTabSz="457200" fontAlgn="base">
-              <a:spcBef>
-                <a:spcPct val="20000"/>
-              </a:spcBef>
-              <a:spcAft>
-                <a:spcPct val="0"/>
-              </a:spcAft>
-              <a:buFont typeface="Arial" panose="020B0604020202020204" pitchFamily="34" charset="0"/>
-              <a:buChar char="»"/>
-              <a:defRPr sz="2000">
-                <a:solidFill>
-                  <a:schemeClr val="tx1"/>
-                </a:solidFill>
-                <a:latin typeface="Arial" panose="020B0604020202020204" pitchFamily="34" charset="0"/>
-                <a:ea typeface="ＭＳ Ｐゴシック" panose="020B0600070205080204" pitchFamily="34" charset="-128"/>
-                <a:cs typeface="Arial" panose="020B0604020202020204" pitchFamily="34" charset="0"/>
-              </a:defRPr>
-            </a:lvl7pPr>
-            <a:lvl8pPr marL="3429000" indent="-228600" defTabSz="457200" fontAlgn="base">
-              <a:spcBef>
-                <a:spcPct val="20000"/>
-              </a:spcBef>
-              <a:spcAft>
-                <a:spcPct val="0"/>
-              </a:spcAft>
-              <a:buFont typeface="Arial" panose="020B0604020202020204" pitchFamily="34" charset="0"/>
-              <a:buChar char="»"/>
-              <a:defRPr sz="2000">
-                <a:solidFill>
-                  <a:schemeClr val="tx1"/>
-                </a:solidFill>
-                <a:latin typeface="Arial" panose="020B0604020202020204" pitchFamily="34" charset="0"/>
-                <a:ea typeface="ＭＳ Ｐゴシック" panose="020B0600070205080204" pitchFamily="34" charset="-128"/>
-                <a:cs typeface="Arial" panose="020B0604020202020204" pitchFamily="34" charset="0"/>
-              </a:defRPr>
-            </a:lvl8pPr>
-            <a:lvl9pPr marL="3886200" indent="-228600" defTabSz="457200" fontAlgn="base">
-              <a:spcBef>
-                <a:spcPct val="20000"/>
-              </a:spcBef>
-              <a:spcAft>
-                <a:spcPct val="0"/>
-              </a:spcAft>
-              <a:buFont typeface="Arial" panose="020B0604020202020204" pitchFamily="34" charset="0"/>
-              <a:buChar char="»"/>
-              <a:defRPr sz="2000">
-                <a:solidFill>
-                  <a:schemeClr val="tx1"/>
-                </a:solidFill>
-                <a:latin typeface="Arial" panose="020B0604020202020204" pitchFamily="34" charset="0"/>
-                <a:ea typeface="ＭＳ Ｐゴシック" panose="020B0600070205080204" pitchFamily="34" charset="-128"/>
-                <a:cs typeface="Arial" panose="020B0604020202020204" pitchFamily="34" charset="0"/>
-              </a:defRPr>
-            </a:lvl9pPr>
-          </a:lstStyle>
-          <a:p>
-            <a:pPr eaLnBrk="1" hangingPunct="1">
-              <a:lnSpc>
-                <a:spcPts val="6500"/>
-              </a:lnSpc>
-              <a:spcBef>
-                <a:spcPct val="0"/>
-              </a:spcBef>
-              <a:buFont typeface="Arial" panose="020B0604020202020204" pitchFamily="34" charset="0"/>
-              <a:buNone/>
-            </a:pPr>
-            <a:r>
-              <a:rPr lang="en-US" altLang="en-US" sz="6500" b="1" dirty="0" err="1">
-                <a:solidFill>
-                  <a:srgbClr val="8C1D40"/>
-                </a:solidFill>
-              </a:rPr>
-              <a:t>XGBoost</a:t>
-            </a:r>
-            <a:endParaRPr lang="en-US" altLang="en-US" sz="6500" b="1" dirty="0">
-              <a:solidFill>
-                <a:srgbClr val="8C1D40"/>
-              </a:solidFill>
-            </a:endParaRPr>
-          </a:p>
-        </p:txBody>
-      </p:sp>
-    </p:spTree>
-    <p:extLst>
-      <p:ext uri="{BB962C8B-B14F-4D97-AF65-F5344CB8AC3E}">
-        <p14:creationId xmlns:p14="http://schemas.microsoft.com/office/powerpoint/2010/main" val="1515998109"/>
-      </p:ext>
-    </p:extLst>
-  </p:cSld>
-  <p:clrMapOvr>
-    <a:masterClrMapping/>
-  </p:clrMapOvr>
-  <p:transition>
-    <p:push/>
-  </p:transition>
-</p:sld>
-</file>
-
 <file path=ppt/slides/slide9.xml><?xml version="1.0" encoding="utf-8"?>
 <p:sld xmlns:a="http://schemas.openxmlformats.org/drawingml/2006/main" xmlns:r="http://schemas.openxmlformats.org/officeDocument/2006/relationships" xmlns:p="http://schemas.openxmlformats.org/presentationml/2006/main">
   <p:cSld>
@@ -18590,10 +21271,10 @@
       </p:grpSpPr>
       <p:graphicFrame>
         <p:nvGraphicFramePr>
-          <p:cNvPr id="3" name="Chart 2">
+          <p:cNvPr id="4" name="Chart 3">
             <a:extLst>
               <a:ext uri="{FF2B5EF4-FFF2-40B4-BE49-F238E27FC236}">
-                <a16:creationId xmlns:a16="http://schemas.microsoft.com/office/drawing/2014/main" id="{F9725959-4D21-10E6-5B49-2C479856BFDF}"/>
+                <a16:creationId xmlns:a16="http://schemas.microsoft.com/office/drawing/2014/main" id="{EA2C01B6-D2FD-D539-576C-94DAC7CDCE30}"/>
               </a:ext>
             </a:extLst>
           </p:cNvPr>
@@ -18603,7 +21284,7 @@
           <p:nvPr>
             <p:extLst>
               <p:ext uri="{D42A27DB-BD31-4B8C-83A1-F6EECF244321}">
-                <p14:modId xmlns:p14="http://schemas.microsoft.com/office/powerpoint/2010/main" val="2418883924"/>
+                <p14:modId xmlns:p14="http://schemas.microsoft.com/office/powerpoint/2010/main" val="2832080378"/>
               </p:ext>
             </p:extLst>
           </p:nvPr>
@@ -18621,7 +21302,7 @@
     </p:spTree>
     <p:extLst>
       <p:ext uri="{BB962C8B-B14F-4D97-AF65-F5344CB8AC3E}">
-        <p14:creationId xmlns:p14="http://schemas.microsoft.com/office/powerpoint/2010/main" val="3137014963"/>
+        <p14:creationId xmlns:p14="http://schemas.microsoft.com/office/powerpoint/2010/main" val="2268677611"/>
       </p:ext>
     </p:extLst>
   </p:cSld>
